--- a/documentation/workshop/PITCHME.pptx
+++ b/documentation/workshop/PITCHME.pptx
@@ -1,3 +1,167 @@
+
+<file path=ppt/presentation.xml><?xml version="1.0" encoding="utf-8"?>
+<p:presentation xmlns:a="http://schemas.openxmlformats.org/drawingml/2006/main" xmlns:r="http://schemas.openxmlformats.org/officeDocument/2006/relationships" xmlns:p="http://schemas.openxmlformats.org/presentationml/2006/main" saveSubsetFonts="1">
+  <p:sldMasterIdLst>
+    <p:sldMasterId id="2147483656" r:id="rId1"/>
+  </p:sldMasterIdLst>
+  <p:sldIdLst>
+    <p:sldId id="257" r:id="rId9"/>
+    <p:sldId id="258" r:id="rId10"/>
+    <p:sldId id="259" r:id="rId11"/>
+    <p:sldId id="260" r:id="rId12"/>
+    <p:sldId id="261" r:id="rId13"/>
+    <p:sldId id="262" r:id="rId14"/>
+    <p:sldId id="263" r:id="rId15"/>
+    <p:sldId id="264" r:id="rId16"/>
+    <p:sldId id="265" r:id="rId17"/>
+    <p:sldId id="266" r:id="rId18"/>
+    <p:sldId id="267" r:id="rId19"/>
+    <p:sldId id="268" r:id="rId20"/>
+    <p:sldId id="269" r:id="rId21"/>
+    <p:sldId id="270" r:id="rId22"/>
+    <p:sldId id="271" r:id="rId23"/>
+    <p:sldId id="272" r:id="rId24"/>
+    <p:sldId id="273" r:id="rId25"/>
+    <p:sldId id="274" r:id="rId26"/>
+    <p:sldId id="275" r:id="rId27"/>
+    <p:sldId id="276" r:id="rId28"/>
+    <p:sldId id="277" r:id="rId29"/>
+    <p:sldId id="278" r:id="rId30"/>
+    <p:sldId id="279" r:id="rId31"/>
+    <p:sldId id="280" r:id="rId32"/>
+    <p:sldId id="281" r:id="rId33"/>
+    <p:sldId id="282" r:id="rId34"/>
+    <p:sldId id="283" r:id="rId35"/>
+    <p:sldId id="284" r:id="rId36"/>
+    <p:sldId id="285" r:id="rId37"/>
+    <p:sldId id="286" r:id="rId38"/>
+    <p:sldId id="287" r:id="rId39"/>
+    <p:sldId id="288" r:id="rId40"/>
+    <p:sldId id="289" r:id="rId41"/>
+    <p:sldId id="290" r:id="rId42"/>
+    <p:sldId id="291" r:id="rId43"/>
+    <p:sldId id="292" r:id="rId44"/>
+    <p:sldId id="293" r:id="rId45"/>
+    <p:sldId id="294" r:id="rId46"/>
+    <p:sldId id="295" r:id="rId47"/>
+    <p:sldId id="296" r:id="rId48"/>
+    <p:sldId id="297" r:id="rId49"/>
+    <p:sldId id="298" r:id="rId50"/>
+    <p:sldId id="299" r:id="rId51"/>
+    <p:sldId id="300" r:id="rId52"/>
+    <p:sldId id="301" r:id="rId53"/>
+    <p:sldId id="302" r:id="rId54"/>
+    <p:sldId id="303" r:id="rId55"/>
+    <p:sldId id="304" r:id="rId56"/>
+    <p:sldId id="305" r:id="rId57"/>
+    <p:sldId id="306" r:id="rId58"/>
+    <p:sldId id="307" r:id="rId59"/>
+    <p:sldId id="308" r:id="rId60"/>
+  </p:sldIdLst>
+  <p:sldSz cy="6858000" cx="12192000"/>
+  <p:notesSz cx="6858000" cy="9144000"/>
+  <p:defaultTextStyle>
+    <a:defPPr>
+      <a:defRPr lang="en-US"/>
+    </a:defPPr>
+    <a:lvl1pPr marL="0" algn="l" defTabSz="914400" rtl="0" eaLnBrk="1" latinLnBrk="0" hangingPunct="1">
+      <a:defRPr sz="1800" kern="1200">
+        <a:solidFill>
+          <a:schemeClr val="tx1"/>
+        </a:solidFill>
+        <a:latin typeface="+mn-lt"/>
+        <a:ea typeface="+mn-ea"/>
+        <a:cs typeface="+mn-cs"/>
+      </a:defRPr>
+    </a:lvl1pPr>
+    <a:lvl2pPr marL="457200" algn="l" defTabSz="914400" rtl="0" eaLnBrk="1" latinLnBrk="0" hangingPunct="1">
+      <a:defRPr sz="1800" kern="1200">
+        <a:solidFill>
+          <a:schemeClr val="tx1"/>
+        </a:solidFill>
+        <a:latin typeface="+mn-lt"/>
+        <a:ea typeface="+mn-ea"/>
+        <a:cs typeface="+mn-cs"/>
+      </a:defRPr>
+    </a:lvl2pPr>
+    <a:lvl3pPr marL="914400" algn="l" defTabSz="914400" rtl="0" eaLnBrk="1" latinLnBrk="0" hangingPunct="1">
+      <a:defRPr sz="1800" kern="1200">
+        <a:solidFill>
+          <a:schemeClr val="tx1"/>
+        </a:solidFill>
+        <a:latin typeface="+mn-lt"/>
+        <a:ea typeface="+mn-ea"/>
+        <a:cs typeface="+mn-cs"/>
+      </a:defRPr>
+    </a:lvl3pPr>
+    <a:lvl4pPr marL="1371600" algn="l" defTabSz="914400" rtl="0" eaLnBrk="1" latinLnBrk="0" hangingPunct="1">
+      <a:defRPr sz="1800" kern="1200">
+        <a:solidFill>
+          <a:schemeClr val="tx1"/>
+        </a:solidFill>
+        <a:latin typeface="+mn-lt"/>
+        <a:ea typeface="+mn-ea"/>
+        <a:cs typeface="+mn-cs"/>
+      </a:defRPr>
+    </a:lvl4pPr>
+    <a:lvl5pPr marL="1828800" algn="l" defTabSz="914400" rtl="0" eaLnBrk="1" latinLnBrk="0" hangingPunct="1">
+      <a:defRPr sz="1800" kern="1200">
+        <a:solidFill>
+          <a:schemeClr val="tx1"/>
+        </a:solidFill>
+        <a:latin typeface="+mn-lt"/>
+        <a:ea typeface="+mn-ea"/>
+        <a:cs typeface="+mn-cs"/>
+      </a:defRPr>
+    </a:lvl5pPr>
+    <a:lvl6pPr marL="2286000" algn="l" defTabSz="914400" rtl="0" eaLnBrk="1" latinLnBrk="0" hangingPunct="1">
+      <a:defRPr sz="1800" kern="1200">
+        <a:solidFill>
+          <a:schemeClr val="tx1"/>
+        </a:solidFill>
+        <a:latin typeface="+mn-lt"/>
+        <a:ea typeface="+mn-ea"/>
+        <a:cs typeface="+mn-cs"/>
+      </a:defRPr>
+    </a:lvl6pPr>
+    <a:lvl7pPr marL="2743200" algn="l" defTabSz="914400" rtl="0" eaLnBrk="1" latinLnBrk="0" hangingPunct="1">
+      <a:defRPr sz="1800" kern="1200">
+        <a:solidFill>
+          <a:schemeClr val="tx1"/>
+        </a:solidFill>
+        <a:latin typeface="+mn-lt"/>
+        <a:ea typeface="+mn-ea"/>
+        <a:cs typeface="+mn-cs"/>
+      </a:defRPr>
+    </a:lvl7pPr>
+    <a:lvl8pPr marL="3200400" algn="l" defTabSz="914400" rtl="0" eaLnBrk="1" latinLnBrk="0" hangingPunct="1">
+      <a:defRPr sz="1800" kern="1200">
+        <a:solidFill>
+          <a:schemeClr val="tx1"/>
+        </a:solidFill>
+        <a:latin typeface="+mn-lt"/>
+        <a:ea typeface="+mn-ea"/>
+        <a:cs typeface="+mn-cs"/>
+      </a:defRPr>
+    </a:lvl8pPr>
+    <a:lvl9pPr marL="3657600" algn="l" defTabSz="914400" rtl="0" eaLnBrk="1" latinLnBrk="0" hangingPunct="1">
+      <a:defRPr sz="1800" kern="1200">
+        <a:solidFill>
+          <a:schemeClr val="tx1"/>
+        </a:solidFill>
+        <a:latin typeface="+mn-lt"/>
+        <a:ea typeface="+mn-ea"/>
+        <a:cs typeface="+mn-cs"/>
+      </a:defRPr>
+    </a:lvl9pPr>
+  </p:defaultTextStyle>
+  <p:extLst>
+    <p:ext uri="{EFAFB233-063F-42B5-8137-9DF3F51BA10A}">
+      <p15:sldGuideLst xmlns:p15="http://schemas.microsoft.com/office/powerpoint/2012/main"/>
+    </p:ext>
+  </p:extLst>
+</p:presentation>
+</file>
 
 <file path=ppt/slideLayouts/slideLayout1.xml><?xml version="1.0" encoding="utf-8"?>
 <p:sldLayout xmlns:a="http://schemas.openxmlformats.org/drawingml/2006/main" xmlns:r="http://schemas.openxmlformats.org/officeDocument/2006/relationships" xmlns:p="http://schemas.openxmlformats.org/presentationml/2006/main" type="blank" preserve="1">
@@ -624,6 +788,2338 @@
 </p:sldMaster>
 </file>
 
+<file path=ppt/slides/slide-1.xml><?xml version="1.0" encoding="utf-8"?>
+<p:sld xmlns:a="http://schemas.openxmlformats.org/drawingml/2006/main" xmlns:r="http://schemas.openxmlformats.org/officeDocument/2006/relationships" xmlns:p="http://schemas.openxmlformats.org/presentationml/2006/main">
+  <p:cSld>
+    <p:bg>
+      <p:bgPr>
+        <a:blipFill dpi="0" rotWithShape="1">
+          <a:blip r:embed="rId2">
+            <a:lum/>
+          </a:blip>
+          <a:srcRect/>
+          <a:stretch>
+            <a:fillRect/>
+          </a:stretch>
+        </a:blipFill>
+        <a:effectLst/>
+      </p:bgPr>
+    </p:bg>
+    <p:spTree>
+      <p:nvGrpSpPr>
+        <p:cNvPr id="1" name=""/>
+        <p:cNvGrpSpPr/>
+        <p:nvPr/>
+      </p:nvGrpSpPr>
+      <p:grpSpPr>
+        <a:xfrm>
+          <a:off x="0" y="0"/>
+          <a:ext cx="0" cy="0"/>
+          <a:chOff x="0" y="0"/>
+          <a:chExt cx="0" cy="0"/>
+        </a:xfrm>
+      </p:grpSpPr>
+    </p:spTree>
+    <p:extLst>
+      <p:ext uri="{BB962C8B-B14F-4D97-AF65-F5344CB8AC3E}">
+        <p14:creationId xmlns:p14="http://schemas.microsoft.com/office/powerpoint/2010/main" val="4032986112"/>
+      </p:ext>
+    </p:extLst>
+  </p:cSld>
+  <p:clrMapOvr>
+    <a:masterClrMapping/>
+  </p:clrMapOvr>
+</p:sld>
+</file>
+
+<file path=ppt/slides/slide-10.xml><?xml version="1.0" encoding="utf-8"?>
+<p:sld xmlns:a="http://schemas.openxmlformats.org/drawingml/2006/main" xmlns:r="http://schemas.openxmlformats.org/officeDocument/2006/relationships" xmlns:p="http://schemas.openxmlformats.org/presentationml/2006/main">
+  <p:cSld>
+    <p:bg>
+      <p:bgPr>
+        <a:blipFill dpi="0" rotWithShape="1">
+          <a:blip r:embed="rId2">
+            <a:lum/>
+          </a:blip>
+          <a:srcRect/>
+          <a:stretch>
+            <a:fillRect/>
+          </a:stretch>
+        </a:blipFill>
+        <a:effectLst/>
+      </p:bgPr>
+    </p:bg>
+    <p:spTree>
+      <p:nvGrpSpPr>
+        <p:cNvPr id="1" name=""/>
+        <p:cNvGrpSpPr/>
+        <p:nvPr/>
+      </p:nvGrpSpPr>
+      <p:grpSpPr>
+        <a:xfrm>
+          <a:off x="0" y="0"/>
+          <a:ext cx="0" cy="0"/>
+          <a:chOff x="0" y="0"/>
+          <a:chExt cx="0" cy="0"/>
+        </a:xfrm>
+      </p:grpSpPr>
+    </p:spTree>
+    <p:extLst>
+      <p:ext uri="{BB962C8B-B14F-4D97-AF65-F5344CB8AC3E}">
+        <p14:creationId xmlns:p14="http://schemas.microsoft.com/office/powerpoint/2010/main" val="4032986112"/>
+      </p:ext>
+    </p:extLst>
+  </p:cSld>
+  <p:clrMapOvr>
+    <a:masterClrMapping/>
+  </p:clrMapOvr>
+</p:sld>
+</file>
+
+<file path=ppt/slides/slide-11.xml><?xml version="1.0" encoding="utf-8"?>
+<p:sld xmlns:a="http://schemas.openxmlformats.org/drawingml/2006/main" xmlns:r="http://schemas.openxmlformats.org/officeDocument/2006/relationships" xmlns:p="http://schemas.openxmlformats.org/presentationml/2006/main">
+  <p:cSld>
+    <p:bg>
+      <p:bgPr>
+        <a:blipFill dpi="0" rotWithShape="1">
+          <a:blip r:embed="rId2">
+            <a:lum/>
+          </a:blip>
+          <a:srcRect/>
+          <a:stretch>
+            <a:fillRect/>
+          </a:stretch>
+        </a:blipFill>
+        <a:effectLst/>
+      </p:bgPr>
+    </p:bg>
+    <p:spTree>
+      <p:nvGrpSpPr>
+        <p:cNvPr id="1" name=""/>
+        <p:cNvGrpSpPr/>
+        <p:nvPr/>
+      </p:nvGrpSpPr>
+      <p:grpSpPr>
+        <a:xfrm>
+          <a:off x="0" y="0"/>
+          <a:ext cx="0" cy="0"/>
+          <a:chOff x="0" y="0"/>
+          <a:chExt cx="0" cy="0"/>
+        </a:xfrm>
+      </p:grpSpPr>
+    </p:spTree>
+    <p:extLst>
+      <p:ext uri="{BB962C8B-B14F-4D97-AF65-F5344CB8AC3E}">
+        <p14:creationId xmlns:p14="http://schemas.microsoft.com/office/powerpoint/2010/main" val="4032986112"/>
+      </p:ext>
+    </p:extLst>
+  </p:cSld>
+  <p:clrMapOvr>
+    <a:masterClrMapping/>
+  </p:clrMapOvr>
+</p:sld>
+</file>
+
+<file path=ppt/slides/slide-12.xml><?xml version="1.0" encoding="utf-8"?>
+<p:sld xmlns:a="http://schemas.openxmlformats.org/drawingml/2006/main" xmlns:r="http://schemas.openxmlformats.org/officeDocument/2006/relationships" xmlns:p="http://schemas.openxmlformats.org/presentationml/2006/main">
+  <p:cSld>
+    <p:bg>
+      <p:bgPr>
+        <a:blipFill dpi="0" rotWithShape="1">
+          <a:blip r:embed="rId2">
+            <a:lum/>
+          </a:blip>
+          <a:srcRect/>
+          <a:stretch>
+            <a:fillRect/>
+          </a:stretch>
+        </a:blipFill>
+        <a:effectLst/>
+      </p:bgPr>
+    </p:bg>
+    <p:spTree>
+      <p:nvGrpSpPr>
+        <p:cNvPr id="1" name=""/>
+        <p:cNvGrpSpPr/>
+        <p:nvPr/>
+      </p:nvGrpSpPr>
+      <p:grpSpPr>
+        <a:xfrm>
+          <a:off x="0" y="0"/>
+          <a:ext cx="0" cy="0"/>
+          <a:chOff x="0" y="0"/>
+          <a:chExt cx="0" cy="0"/>
+        </a:xfrm>
+      </p:grpSpPr>
+    </p:spTree>
+    <p:extLst>
+      <p:ext uri="{BB962C8B-B14F-4D97-AF65-F5344CB8AC3E}">
+        <p14:creationId xmlns:p14="http://schemas.microsoft.com/office/powerpoint/2010/main" val="4032986112"/>
+      </p:ext>
+    </p:extLst>
+  </p:cSld>
+  <p:clrMapOvr>
+    <a:masterClrMapping/>
+  </p:clrMapOvr>
+</p:sld>
+</file>
+
+<file path=ppt/slides/slide-13.xml><?xml version="1.0" encoding="utf-8"?>
+<p:sld xmlns:a="http://schemas.openxmlformats.org/drawingml/2006/main" xmlns:r="http://schemas.openxmlformats.org/officeDocument/2006/relationships" xmlns:p="http://schemas.openxmlformats.org/presentationml/2006/main">
+  <p:cSld>
+    <p:bg>
+      <p:bgPr>
+        <a:blipFill dpi="0" rotWithShape="1">
+          <a:blip r:embed="rId2">
+            <a:lum/>
+          </a:blip>
+          <a:srcRect/>
+          <a:stretch>
+            <a:fillRect/>
+          </a:stretch>
+        </a:blipFill>
+        <a:effectLst/>
+      </p:bgPr>
+    </p:bg>
+    <p:spTree>
+      <p:nvGrpSpPr>
+        <p:cNvPr id="1" name=""/>
+        <p:cNvGrpSpPr/>
+        <p:nvPr/>
+      </p:nvGrpSpPr>
+      <p:grpSpPr>
+        <a:xfrm>
+          <a:off x="0" y="0"/>
+          <a:ext cx="0" cy="0"/>
+          <a:chOff x="0" y="0"/>
+          <a:chExt cx="0" cy="0"/>
+        </a:xfrm>
+      </p:grpSpPr>
+    </p:spTree>
+    <p:extLst>
+      <p:ext uri="{BB962C8B-B14F-4D97-AF65-F5344CB8AC3E}">
+        <p14:creationId xmlns:p14="http://schemas.microsoft.com/office/powerpoint/2010/main" val="4032986112"/>
+      </p:ext>
+    </p:extLst>
+  </p:cSld>
+  <p:clrMapOvr>
+    <a:masterClrMapping/>
+  </p:clrMapOvr>
+</p:sld>
+</file>
+
+<file path=ppt/slides/slide-14.xml><?xml version="1.0" encoding="utf-8"?>
+<p:sld xmlns:a="http://schemas.openxmlformats.org/drawingml/2006/main" xmlns:r="http://schemas.openxmlformats.org/officeDocument/2006/relationships" xmlns:p="http://schemas.openxmlformats.org/presentationml/2006/main">
+  <p:cSld>
+    <p:bg>
+      <p:bgPr>
+        <a:blipFill dpi="0" rotWithShape="1">
+          <a:blip r:embed="rId2">
+            <a:lum/>
+          </a:blip>
+          <a:srcRect/>
+          <a:stretch>
+            <a:fillRect/>
+          </a:stretch>
+        </a:blipFill>
+        <a:effectLst/>
+      </p:bgPr>
+    </p:bg>
+    <p:spTree>
+      <p:nvGrpSpPr>
+        <p:cNvPr id="1" name=""/>
+        <p:cNvGrpSpPr/>
+        <p:nvPr/>
+      </p:nvGrpSpPr>
+      <p:grpSpPr>
+        <a:xfrm>
+          <a:off x="0" y="0"/>
+          <a:ext cx="0" cy="0"/>
+          <a:chOff x="0" y="0"/>
+          <a:chExt cx="0" cy="0"/>
+        </a:xfrm>
+      </p:grpSpPr>
+    </p:spTree>
+    <p:extLst>
+      <p:ext uri="{BB962C8B-B14F-4D97-AF65-F5344CB8AC3E}">
+        <p14:creationId xmlns:p14="http://schemas.microsoft.com/office/powerpoint/2010/main" val="4032986112"/>
+      </p:ext>
+    </p:extLst>
+  </p:cSld>
+  <p:clrMapOvr>
+    <a:masterClrMapping/>
+  </p:clrMapOvr>
+</p:sld>
+</file>
+
+<file path=ppt/slides/slide-15.xml><?xml version="1.0" encoding="utf-8"?>
+<p:sld xmlns:a="http://schemas.openxmlformats.org/drawingml/2006/main" xmlns:r="http://schemas.openxmlformats.org/officeDocument/2006/relationships" xmlns:p="http://schemas.openxmlformats.org/presentationml/2006/main">
+  <p:cSld>
+    <p:bg>
+      <p:bgPr>
+        <a:blipFill dpi="0" rotWithShape="1">
+          <a:blip r:embed="rId2">
+            <a:lum/>
+          </a:blip>
+          <a:srcRect/>
+          <a:stretch>
+            <a:fillRect/>
+          </a:stretch>
+        </a:blipFill>
+        <a:effectLst/>
+      </p:bgPr>
+    </p:bg>
+    <p:spTree>
+      <p:nvGrpSpPr>
+        <p:cNvPr id="1" name=""/>
+        <p:cNvGrpSpPr/>
+        <p:nvPr/>
+      </p:nvGrpSpPr>
+      <p:grpSpPr>
+        <a:xfrm>
+          <a:off x="0" y="0"/>
+          <a:ext cx="0" cy="0"/>
+          <a:chOff x="0" y="0"/>
+          <a:chExt cx="0" cy="0"/>
+        </a:xfrm>
+      </p:grpSpPr>
+    </p:spTree>
+    <p:extLst>
+      <p:ext uri="{BB962C8B-B14F-4D97-AF65-F5344CB8AC3E}">
+        <p14:creationId xmlns:p14="http://schemas.microsoft.com/office/powerpoint/2010/main" val="4032986112"/>
+      </p:ext>
+    </p:extLst>
+  </p:cSld>
+  <p:clrMapOvr>
+    <a:masterClrMapping/>
+  </p:clrMapOvr>
+</p:sld>
+</file>
+
+<file path=ppt/slides/slide-16.xml><?xml version="1.0" encoding="utf-8"?>
+<p:sld xmlns:a="http://schemas.openxmlformats.org/drawingml/2006/main" xmlns:r="http://schemas.openxmlformats.org/officeDocument/2006/relationships" xmlns:p="http://schemas.openxmlformats.org/presentationml/2006/main">
+  <p:cSld>
+    <p:bg>
+      <p:bgPr>
+        <a:blipFill dpi="0" rotWithShape="1">
+          <a:blip r:embed="rId2">
+            <a:lum/>
+          </a:blip>
+          <a:srcRect/>
+          <a:stretch>
+            <a:fillRect/>
+          </a:stretch>
+        </a:blipFill>
+        <a:effectLst/>
+      </p:bgPr>
+    </p:bg>
+    <p:spTree>
+      <p:nvGrpSpPr>
+        <p:cNvPr id="1" name=""/>
+        <p:cNvGrpSpPr/>
+        <p:nvPr/>
+      </p:nvGrpSpPr>
+      <p:grpSpPr>
+        <a:xfrm>
+          <a:off x="0" y="0"/>
+          <a:ext cx="0" cy="0"/>
+          <a:chOff x="0" y="0"/>
+          <a:chExt cx="0" cy="0"/>
+        </a:xfrm>
+      </p:grpSpPr>
+    </p:spTree>
+    <p:extLst>
+      <p:ext uri="{BB962C8B-B14F-4D97-AF65-F5344CB8AC3E}">
+        <p14:creationId xmlns:p14="http://schemas.microsoft.com/office/powerpoint/2010/main" val="4032986112"/>
+      </p:ext>
+    </p:extLst>
+  </p:cSld>
+  <p:clrMapOvr>
+    <a:masterClrMapping/>
+  </p:clrMapOvr>
+</p:sld>
+</file>
+
+<file path=ppt/slides/slide-17.xml><?xml version="1.0" encoding="utf-8"?>
+<p:sld xmlns:a="http://schemas.openxmlformats.org/drawingml/2006/main" xmlns:r="http://schemas.openxmlformats.org/officeDocument/2006/relationships" xmlns:p="http://schemas.openxmlformats.org/presentationml/2006/main">
+  <p:cSld>
+    <p:bg>
+      <p:bgPr>
+        <a:blipFill dpi="0" rotWithShape="1">
+          <a:blip r:embed="rId2">
+            <a:lum/>
+          </a:blip>
+          <a:srcRect/>
+          <a:stretch>
+            <a:fillRect/>
+          </a:stretch>
+        </a:blipFill>
+        <a:effectLst/>
+      </p:bgPr>
+    </p:bg>
+    <p:spTree>
+      <p:nvGrpSpPr>
+        <p:cNvPr id="1" name=""/>
+        <p:cNvGrpSpPr/>
+        <p:nvPr/>
+      </p:nvGrpSpPr>
+      <p:grpSpPr>
+        <a:xfrm>
+          <a:off x="0" y="0"/>
+          <a:ext cx="0" cy="0"/>
+          <a:chOff x="0" y="0"/>
+          <a:chExt cx="0" cy="0"/>
+        </a:xfrm>
+      </p:grpSpPr>
+    </p:spTree>
+    <p:extLst>
+      <p:ext uri="{BB962C8B-B14F-4D97-AF65-F5344CB8AC3E}">
+        <p14:creationId xmlns:p14="http://schemas.microsoft.com/office/powerpoint/2010/main" val="4032986112"/>
+      </p:ext>
+    </p:extLst>
+  </p:cSld>
+  <p:clrMapOvr>
+    <a:masterClrMapping/>
+  </p:clrMapOvr>
+</p:sld>
+</file>
+
+<file path=ppt/slides/slide-18.xml><?xml version="1.0" encoding="utf-8"?>
+<p:sld xmlns:a="http://schemas.openxmlformats.org/drawingml/2006/main" xmlns:r="http://schemas.openxmlformats.org/officeDocument/2006/relationships" xmlns:p="http://schemas.openxmlformats.org/presentationml/2006/main">
+  <p:cSld>
+    <p:bg>
+      <p:bgPr>
+        <a:blipFill dpi="0" rotWithShape="1">
+          <a:blip r:embed="rId2">
+            <a:lum/>
+          </a:blip>
+          <a:srcRect/>
+          <a:stretch>
+            <a:fillRect/>
+          </a:stretch>
+        </a:blipFill>
+        <a:effectLst/>
+      </p:bgPr>
+    </p:bg>
+    <p:spTree>
+      <p:nvGrpSpPr>
+        <p:cNvPr id="1" name=""/>
+        <p:cNvGrpSpPr/>
+        <p:nvPr/>
+      </p:nvGrpSpPr>
+      <p:grpSpPr>
+        <a:xfrm>
+          <a:off x="0" y="0"/>
+          <a:ext cx="0" cy="0"/>
+          <a:chOff x="0" y="0"/>
+          <a:chExt cx="0" cy="0"/>
+        </a:xfrm>
+      </p:grpSpPr>
+    </p:spTree>
+    <p:extLst>
+      <p:ext uri="{BB962C8B-B14F-4D97-AF65-F5344CB8AC3E}">
+        <p14:creationId xmlns:p14="http://schemas.microsoft.com/office/powerpoint/2010/main" val="4032986112"/>
+      </p:ext>
+    </p:extLst>
+  </p:cSld>
+  <p:clrMapOvr>
+    <a:masterClrMapping/>
+  </p:clrMapOvr>
+</p:sld>
+</file>
+
+<file path=ppt/slides/slide-19.xml><?xml version="1.0" encoding="utf-8"?>
+<p:sld xmlns:a="http://schemas.openxmlformats.org/drawingml/2006/main" xmlns:r="http://schemas.openxmlformats.org/officeDocument/2006/relationships" xmlns:p="http://schemas.openxmlformats.org/presentationml/2006/main">
+  <p:cSld>
+    <p:bg>
+      <p:bgPr>
+        <a:blipFill dpi="0" rotWithShape="1">
+          <a:blip r:embed="rId2">
+            <a:lum/>
+          </a:blip>
+          <a:srcRect/>
+          <a:stretch>
+            <a:fillRect/>
+          </a:stretch>
+        </a:blipFill>
+        <a:effectLst/>
+      </p:bgPr>
+    </p:bg>
+    <p:spTree>
+      <p:nvGrpSpPr>
+        <p:cNvPr id="1" name=""/>
+        <p:cNvGrpSpPr/>
+        <p:nvPr/>
+      </p:nvGrpSpPr>
+      <p:grpSpPr>
+        <a:xfrm>
+          <a:off x="0" y="0"/>
+          <a:ext cx="0" cy="0"/>
+          <a:chOff x="0" y="0"/>
+          <a:chExt cx="0" cy="0"/>
+        </a:xfrm>
+      </p:grpSpPr>
+    </p:spTree>
+    <p:extLst>
+      <p:ext uri="{BB962C8B-B14F-4D97-AF65-F5344CB8AC3E}">
+        <p14:creationId xmlns:p14="http://schemas.microsoft.com/office/powerpoint/2010/main" val="4032986112"/>
+      </p:ext>
+    </p:extLst>
+  </p:cSld>
+  <p:clrMapOvr>
+    <a:masterClrMapping/>
+  </p:clrMapOvr>
+</p:sld>
+</file>
+
+<file path=ppt/slides/slide-2.xml><?xml version="1.0" encoding="utf-8"?>
+<p:sld xmlns:a="http://schemas.openxmlformats.org/drawingml/2006/main" xmlns:r="http://schemas.openxmlformats.org/officeDocument/2006/relationships" xmlns:p="http://schemas.openxmlformats.org/presentationml/2006/main">
+  <p:cSld>
+    <p:bg>
+      <p:bgPr>
+        <a:blipFill dpi="0" rotWithShape="1">
+          <a:blip r:embed="rId2">
+            <a:lum/>
+          </a:blip>
+          <a:srcRect/>
+          <a:stretch>
+            <a:fillRect/>
+          </a:stretch>
+        </a:blipFill>
+        <a:effectLst/>
+      </p:bgPr>
+    </p:bg>
+    <p:spTree>
+      <p:nvGrpSpPr>
+        <p:cNvPr id="1" name=""/>
+        <p:cNvGrpSpPr/>
+        <p:nvPr/>
+      </p:nvGrpSpPr>
+      <p:grpSpPr>
+        <a:xfrm>
+          <a:off x="0" y="0"/>
+          <a:ext cx="0" cy="0"/>
+          <a:chOff x="0" y="0"/>
+          <a:chExt cx="0" cy="0"/>
+        </a:xfrm>
+      </p:grpSpPr>
+    </p:spTree>
+    <p:extLst>
+      <p:ext uri="{BB962C8B-B14F-4D97-AF65-F5344CB8AC3E}">
+        <p14:creationId xmlns:p14="http://schemas.microsoft.com/office/powerpoint/2010/main" val="4032986112"/>
+      </p:ext>
+    </p:extLst>
+  </p:cSld>
+  <p:clrMapOvr>
+    <a:masterClrMapping/>
+  </p:clrMapOvr>
+</p:sld>
+</file>
+
+<file path=ppt/slides/slide-20.xml><?xml version="1.0" encoding="utf-8"?>
+<p:sld xmlns:a="http://schemas.openxmlformats.org/drawingml/2006/main" xmlns:r="http://schemas.openxmlformats.org/officeDocument/2006/relationships" xmlns:p="http://schemas.openxmlformats.org/presentationml/2006/main">
+  <p:cSld>
+    <p:bg>
+      <p:bgPr>
+        <a:blipFill dpi="0" rotWithShape="1">
+          <a:blip r:embed="rId2">
+            <a:lum/>
+          </a:blip>
+          <a:srcRect/>
+          <a:stretch>
+            <a:fillRect/>
+          </a:stretch>
+        </a:blipFill>
+        <a:effectLst/>
+      </p:bgPr>
+    </p:bg>
+    <p:spTree>
+      <p:nvGrpSpPr>
+        <p:cNvPr id="1" name=""/>
+        <p:cNvGrpSpPr/>
+        <p:nvPr/>
+      </p:nvGrpSpPr>
+      <p:grpSpPr>
+        <a:xfrm>
+          <a:off x="0" y="0"/>
+          <a:ext cx="0" cy="0"/>
+          <a:chOff x="0" y="0"/>
+          <a:chExt cx="0" cy="0"/>
+        </a:xfrm>
+      </p:grpSpPr>
+    </p:spTree>
+    <p:extLst>
+      <p:ext uri="{BB962C8B-B14F-4D97-AF65-F5344CB8AC3E}">
+        <p14:creationId xmlns:p14="http://schemas.microsoft.com/office/powerpoint/2010/main" val="4032986112"/>
+      </p:ext>
+    </p:extLst>
+  </p:cSld>
+  <p:clrMapOvr>
+    <a:masterClrMapping/>
+  </p:clrMapOvr>
+</p:sld>
+</file>
+
+<file path=ppt/slides/slide-21.xml><?xml version="1.0" encoding="utf-8"?>
+<p:sld xmlns:a="http://schemas.openxmlformats.org/drawingml/2006/main" xmlns:r="http://schemas.openxmlformats.org/officeDocument/2006/relationships" xmlns:p="http://schemas.openxmlformats.org/presentationml/2006/main">
+  <p:cSld>
+    <p:bg>
+      <p:bgPr>
+        <a:blipFill dpi="0" rotWithShape="1">
+          <a:blip r:embed="rId2">
+            <a:lum/>
+          </a:blip>
+          <a:srcRect/>
+          <a:stretch>
+            <a:fillRect/>
+          </a:stretch>
+        </a:blipFill>
+        <a:effectLst/>
+      </p:bgPr>
+    </p:bg>
+    <p:spTree>
+      <p:nvGrpSpPr>
+        <p:cNvPr id="1" name=""/>
+        <p:cNvGrpSpPr/>
+        <p:nvPr/>
+      </p:nvGrpSpPr>
+      <p:grpSpPr>
+        <a:xfrm>
+          <a:off x="0" y="0"/>
+          <a:ext cx="0" cy="0"/>
+          <a:chOff x="0" y="0"/>
+          <a:chExt cx="0" cy="0"/>
+        </a:xfrm>
+      </p:grpSpPr>
+    </p:spTree>
+    <p:extLst>
+      <p:ext uri="{BB962C8B-B14F-4D97-AF65-F5344CB8AC3E}">
+        <p14:creationId xmlns:p14="http://schemas.microsoft.com/office/powerpoint/2010/main" val="4032986112"/>
+      </p:ext>
+    </p:extLst>
+  </p:cSld>
+  <p:clrMapOvr>
+    <a:masterClrMapping/>
+  </p:clrMapOvr>
+</p:sld>
+</file>
+
+<file path=ppt/slides/slide-22.xml><?xml version="1.0" encoding="utf-8"?>
+<p:sld xmlns:a="http://schemas.openxmlformats.org/drawingml/2006/main" xmlns:r="http://schemas.openxmlformats.org/officeDocument/2006/relationships" xmlns:p="http://schemas.openxmlformats.org/presentationml/2006/main">
+  <p:cSld>
+    <p:bg>
+      <p:bgPr>
+        <a:blipFill dpi="0" rotWithShape="1">
+          <a:blip r:embed="rId2">
+            <a:lum/>
+          </a:blip>
+          <a:srcRect/>
+          <a:stretch>
+            <a:fillRect/>
+          </a:stretch>
+        </a:blipFill>
+        <a:effectLst/>
+      </p:bgPr>
+    </p:bg>
+    <p:spTree>
+      <p:nvGrpSpPr>
+        <p:cNvPr id="1" name=""/>
+        <p:cNvGrpSpPr/>
+        <p:nvPr/>
+      </p:nvGrpSpPr>
+      <p:grpSpPr>
+        <a:xfrm>
+          <a:off x="0" y="0"/>
+          <a:ext cx="0" cy="0"/>
+          <a:chOff x="0" y="0"/>
+          <a:chExt cx="0" cy="0"/>
+        </a:xfrm>
+      </p:grpSpPr>
+    </p:spTree>
+    <p:extLst>
+      <p:ext uri="{BB962C8B-B14F-4D97-AF65-F5344CB8AC3E}">
+        <p14:creationId xmlns:p14="http://schemas.microsoft.com/office/powerpoint/2010/main" val="4032986112"/>
+      </p:ext>
+    </p:extLst>
+  </p:cSld>
+  <p:clrMapOvr>
+    <a:masterClrMapping/>
+  </p:clrMapOvr>
+</p:sld>
+</file>
+
+<file path=ppt/slides/slide-23.xml><?xml version="1.0" encoding="utf-8"?>
+<p:sld xmlns:a="http://schemas.openxmlformats.org/drawingml/2006/main" xmlns:r="http://schemas.openxmlformats.org/officeDocument/2006/relationships" xmlns:p="http://schemas.openxmlformats.org/presentationml/2006/main">
+  <p:cSld>
+    <p:bg>
+      <p:bgPr>
+        <a:blipFill dpi="0" rotWithShape="1">
+          <a:blip r:embed="rId2">
+            <a:lum/>
+          </a:blip>
+          <a:srcRect/>
+          <a:stretch>
+            <a:fillRect/>
+          </a:stretch>
+        </a:blipFill>
+        <a:effectLst/>
+      </p:bgPr>
+    </p:bg>
+    <p:spTree>
+      <p:nvGrpSpPr>
+        <p:cNvPr id="1" name=""/>
+        <p:cNvGrpSpPr/>
+        <p:nvPr/>
+      </p:nvGrpSpPr>
+      <p:grpSpPr>
+        <a:xfrm>
+          <a:off x="0" y="0"/>
+          <a:ext cx="0" cy="0"/>
+          <a:chOff x="0" y="0"/>
+          <a:chExt cx="0" cy="0"/>
+        </a:xfrm>
+      </p:grpSpPr>
+    </p:spTree>
+    <p:extLst>
+      <p:ext uri="{BB962C8B-B14F-4D97-AF65-F5344CB8AC3E}">
+        <p14:creationId xmlns:p14="http://schemas.microsoft.com/office/powerpoint/2010/main" val="4032986112"/>
+      </p:ext>
+    </p:extLst>
+  </p:cSld>
+  <p:clrMapOvr>
+    <a:masterClrMapping/>
+  </p:clrMapOvr>
+</p:sld>
+</file>
+
+<file path=ppt/slides/slide-24.xml><?xml version="1.0" encoding="utf-8"?>
+<p:sld xmlns:a="http://schemas.openxmlformats.org/drawingml/2006/main" xmlns:r="http://schemas.openxmlformats.org/officeDocument/2006/relationships" xmlns:p="http://schemas.openxmlformats.org/presentationml/2006/main">
+  <p:cSld>
+    <p:bg>
+      <p:bgPr>
+        <a:blipFill dpi="0" rotWithShape="1">
+          <a:blip r:embed="rId2">
+            <a:lum/>
+          </a:blip>
+          <a:srcRect/>
+          <a:stretch>
+            <a:fillRect/>
+          </a:stretch>
+        </a:blipFill>
+        <a:effectLst/>
+      </p:bgPr>
+    </p:bg>
+    <p:spTree>
+      <p:nvGrpSpPr>
+        <p:cNvPr id="1" name=""/>
+        <p:cNvGrpSpPr/>
+        <p:nvPr/>
+      </p:nvGrpSpPr>
+      <p:grpSpPr>
+        <a:xfrm>
+          <a:off x="0" y="0"/>
+          <a:ext cx="0" cy="0"/>
+          <a:chOff x="0" y="0"/>
+          <a:chExt cx="0" cy="0"/>
+        </a:xfrm>
+      </p:grpSpPr>
+    </p:spTree>
+    <p:extLst>
+      <p:ext uri="{BB962C8B-B14F-4D97-AF65-F5344CB8AC3E}">
+        <p14:creationId xmlns:p14="http://schemas.microsoft.com/office/powerpoint/2010/main" val="4032986112"/>
+      </p:ext>
+    </p:extLst>
+  </p:cSld>
+  <p:clrMapOvr>
+    <a:masterClrMapping/>
+  </p:clrMapOvr>
+</p:sld>
+</file>
+
+<file path=ppt/slides/slide-25.xml><?xml version="1.0" encoding="utf-8"?>
+<p:sld xmlns:a="http://schemas.openxmlformats.org/drawingml/2006/main" xmlns:r="http://schemas.openxmlformats.org/officeDocument/2006/relationships" xmlns:p="http://schemas.openxmlformats.org/presentationml/2006/main">
+  <p:cSld>
+    <p:bg>
+      <p:bgPr>
+        <a:blipFill dpi="0" rotWithShape="1">
+          <a:blip r:embed="rId2">
+            <a:lum/>
+          </a:blip>
+          <a:srcRect/>
+          <a:stretch>
+            <a:fillRect/>
+          </a:stretch>
+        </a:blipFill>
+        <a:effectLst/>
+      </p:bgPr>
+    </p:bg>
+    <p:spTree>
+      <p:nvGrpSpPr>
+        <p:cNvPr id="1" name=""/>
+        <p:cNvGrpSpPr/>
+        <p:nvPr/>
+      </p:nvGrpSpPr>
+      <p:grpSpPr>
+        <a:xfrm>
+          <a:off x="0" y="0"/>
+          <a:ext cx="0" cy="0"/>
+          <a:chOff x="0" y="0"/>
+          <a:chExt cx="0" cy="0"/>
+        </a:xfrm>
+      </p:grpSpPr>
+    </p:spTree>
+    <p:extLst>
+      <p:ext uri="{BB962C8B-B14F-4D97-AF65-F5344CB8AC3E}">
+        <p14:creationId xmlns:p14="http://schemas.microsoft.com/office/powerpoint/2010/main" val="4032986112"/>
+      </p:ext>
+    </p:extLst>
+  </p:cSld>
+  <p:clrMapOvr>
+    <a:masterClrMapping/>
+  </p:clrMapOvr>
+</p:sld>
+</file>
+
+<file path=ppt/slides/slide-26.xml><?xml version="1.0" encoding="utf-8"?>
+<p:sld xmlns:a="http://schemas.openxmlformats.org/drawingml/2006/main" xmlns:r="http://schemas.openxmlformats.org/officeDocument/2006/relationships" xmlns:p="http://schemas.openxmlformats.org/presentationml/2006/main">
+  <p:cSld>
+    <p:bg>
+      <p:bgPr>
+        <a:blipFill dpi="0" rotWithShape="1">
+          <a:blip r:embed="rId2">
+            <a:lum/>
+          </a:blip>
+          <a:srcRect/>
+          <a:stretch>
+            <a:fillRect/>
+          </a:stretch>
+        </a:blipFill>
+        <a:effectLst/>
+      </p:bgPr>
+    </p:bg>
+    <p:spTree>
+      <p:nvGrpSpPr>
+        <p:cNvPr id="1" name=""/>
+        <p:cNvGrpSpPr/>
+        <p:nvPr/>
+      </p:nvGrpSpPr>
+      <p:grpSpPr>
+        <a:xfrm>
+          <a:off x="0" y="0"/>
+          <a:ext cx="0" cy="0"/>
+          <a:chOff x="0" y="0"/>
+          <a:chExt cx="0" cy="0"/>
+        </a:xfrm>
+      </p:grpSpPr>
+    </p:spTree>
+    <p:extLst>
+      <p:ext uri="{BB962C8B-B14F-4D97-AF65-F5344CB8AC3E}">
+        <p14:creationId xmlns:p14="http://schemas.microsoft.com/office/powerpoint/2010/main" val="4032986112"/>
+      </p:ext>
+    </p:extLst>
+  </p:cSld>
+  <p:clrMapOvr>
+    <a:masterClrMapping/>
+  </p:clrMapOvr>
+</p:sld>
+</file>
+
+<file path=ppt/slides/slide-27.xml><?xml version="1.0" encoding="utf-8"?>
+<p:sld xmlns:a="http://schemas.openxmlformats.org/drawingml/2006/main" xmlns:r="http://schemas.openxmlformats.org/officeDocument/2006/relationships" xmlns:p="http://schemas.openxmlformats.org/presentationml/2006/main">
+  <p:cSld>
+    <p:bg>
+      <p:bgPr>
+        <a:blipFill dpi="0" rotWithShape="1">
+          <a:blip r:embed="rId2">
+            <a:lum/>
+          </a:blip>
+          <a:srcRect/>
+          <a:stretch>
+            <a:fillRect/>
+          </a:stretch>
+        </a:blipFill>
+        <a:effectLst/>
+      </p:bgPr>
+    </p:bg>
+    <p:spTree>
+      <p:nvGrpSpPr>
+        <p:cNvPr id="1" name=""/>
+        <p:cNvGrpSpPr/>
+        <p:nvPr/>
+      </p:nvGrpSpPr>
+      <p:grpSpPr>
+        <a:xfrm>
+          <a:off x="0" y="0"/>
+          <a:ext cx="0" cy="0"/>
+          <a:chOff x="0" y="0"/>
+          <a:chExt cx="0" cy="0"/>
+        </a:xfrm>
+      </p:grpSpPr>
+    </p:spTree>
+    <p:extLst>
+      <p:ext uri="{BB962C8B-B14F-4D97-AF65-F5344CB8AC3E}">
+        <p14:creationId xmlns:p14="http://schemas.microsoft.com/office/powerpoint/2010/main" val="4032986112"/>
+      </p:ext>
+    </p:extLst>
+  </p:cSld>
+  <p:clrMapOvr>
+    <a:masterClrMapping/>
+  </p:clrMapOvr>
+</p:sld>
+</file>
+
+<file path=ppt/slides/slide-28.xml><?xml version="1.0" encoding="utf-8"?>
+<p:sld xmlns:a="http://schemas.openxmlformats.org/drawingml/2006/main" xmlns:r="http://schemas.openxmlformats.org/officeDocument/2006/relationships" xmlns:p="http://schemas.openxmlformats.org/presentationml/2006/main">
+  <p:cSld>
+    <p:bg>
+      <p:bgPr>
+        <a:blipFill dpi="0" rotWithShape="1">
+          <a:blip r:embed="rId2">
+            <a:lum/>
+          </a:blip>
+          <a:srcRect/>
+          <a:stretch>
+            <a:fillRect/>
+          </a:stretch>
+        </a:blipFill>
+        <a:effectLst/>
+      </p:bgPr>
+    </p:bg>
+    <p:spTree>
+      <p:nvGrpSpPr>
+        <p:cNvPr id="1" name=""/>
+        <p:cNvGrpSpPr/>
+        <p:nvPr/>
+      </p:nvGrpSpPr>
+      <p:grpSpPr>
+        <a:xfrm>
+          <a:off x="0" y="0"/>
+          <a:ext cx="0" cy="0"/>
+          <a:chOff x="0" y="0"/>
+          <a:chExt cx="0" cy="0"/>
+        </a:xfrm>
+      </p:grpSpPr>
+    </p:spTree>
+    <p:extLst>
+      <p:ext uri="{BB962C8B-B14F-4D97-AF65-F5344CB8AC3E}">
+        <p14:creationId xmlns:p14="http://schemas.microsoft.com/office/powerpoint/2010/main" val="4032986112"/>
+      </p:ext>
+    </p:extLst>
+  </p:cSld>
+  <p:clrMapOvr>
+    <a:masterClrMapping/>
+  </p:clrMapOvr>
+</p:sld>
+</file>
+
+<file path=ppt/slides/slide-29.xml><?xml version="1.0" encoding="utf-8"?>
+<p:sld xmlns:a="http://schemas.openxmlformats.org/drawingml/2006/main" xmlns:r="http://schemas.openxmlformats.org/officeDocument/2006/relationships" xmlns:p="http://schemas.openxmlformats.org/presentationml/2006/main">
+  <p:cSld>
+    <p:bg>
+      <p:bgPr>
+        <a:blipFill dpi="0" rotWithShape="1">
+          <a:blip r:embed="rId2">
+            <a:lum/>
+          </a:blip>
+          <a:srcRect/>
+          <a:stretch>
+            <a:fillRect/>
+          </a:stretch>
+        </a:blipFill>
+        <a:effectLst/>
+      </p:bgPr>
+    </p:bg>
+    <p:spTree>
+      <p:nvGrpSpPr>
+        <p:cNvPr id="1" name=""/>
+        <p:cNvGrpSpPr/>
+        <p:nvPr/>
+      </p:nvGrpSpPr>
+      <p:grpSpPr>
+        <a:xfrm>
+          <a:off x="0" y="0"/>
+          <a:ext cx="0" cy="0"/>
+          <a:chOff x="0" y="0"/>
+          <a:chExt cx="0" cy="0"/>
+        </a:xfrm>
+      </p:grpSpPr>
+    </p:spTree>
+    <p:extLst>
+      <p:ext uri="{BB962C8B-B14F-4D97-AF65-F5344CB8AC3E}">
+        <p14:creationId xmlns:p14="http://schemas.microsoft.com/office/powerpoint/2010/main" val="4032986112"/>
+      </p:ext>
+    </p:extLst>
+  </p:cSld>
+  <p:clrMapOvr>
+    <a:masterClrMapping/>
+  </p:clrMapOvr>
+</p:sld>
+</file>
+
+<file path=ppt/slides/slide-3.xml><?xml version="1.0" encoding="utf-8"?>
+<p:sld xmlns:a="http://schemas.openxmlformats.org/drawingml/2006/main" xmlns:r="http://schemas.openxmlformats.org/officeDocument/2006/relationships" xmlns:p="http://schemas.openxmlformats.org/presentationml/2006/main">
+  <p:cSld>
+    <p:bg>
+      <p:bgPr>
+        <a:blipFill dpi="0" rotWithShape="1">
+          <a:blip r:embed="rId2">
+            <a:lum/>
+          </a:blip>
+          <a:srcRect/>
+          <a:stretch>
+            <a:fillRect/>
+          </a:stretch>
+        </a:blipFill>
+        <a:effectLst/>
+      </p:bgPr>
+    </p:bg>
+    <p:spTree>
+      <p:nvGrpSpPr>
+        <p:cNvPr id="1" name=""/>
+        <p:cNvGrpSpPr/>
+        <p:nvPr/>
+      </p:nvGrpSpPr>
+      <p:grpSpPr>
+        <a:xfrm>
+          <a:off x="0" y="0"/>
+          <a:ext cx="0" cy="0"/>
+          <a:chOff x="0" y="0"/>
+          <a:chExt cx="0" cy="0"/>
+        </a:xfrm>
+      </p:grpSpPr>
+    </p:spTree>
+    <p:extLst>
+      <p:ext uri="{BB962C8B-B14F-4D97-AF65-F5344CB8AC3E}">
+        <p14:creationId xmlns:p14="http://schemas.microsoft.com/office/powerpoint/2010/main" val="4032986112"/>
+      </p:ext>
+    </p:extLst>
+  </p:cSld>
+  <p:clrMapOvr>
+    <a:masterClrMapping/>
+  </p:clrMapOvr>
+</p:sld>
+</file>
+
+<file path=ppt/slides/slide-30.xml><?xml version="1.0" encoding="utf-8"?>
+<p:sld xmlns:a="http://schemas.openxmlformats.org/drawingml/2006/main" xmlns:r="http://schemas.openxmlformats.org/officeDocument/2006/relationships" xmlns:p="http://schemas.openxmlformats.org/presentationml/2006/main">
+  <p:cSld>
+    <p:bg>
+      <p:bgPr>
+        <a:blipFill dpi="0" rotWithShape="1">
+          <a:blip r:embed="rId2">
+            <a:lum/>
+          </a:blip>
+          <a:srcRect/>
+          <a:stretch>
+            <a:fillRect/>
+          </a:stretch>
+        </a:blipFill>
+        <a:effectLst/>
+      </p:bgPr>
+    </p:bg>
+    <p:spTree>
+      <p:nvGrpSpPr>
+        <p:cNvPr id="1" name=""/>
+        <p:cNvGrpSpPr/>
+        <p:nvPr/>
+      </p:nvGrpSpPr>
+      <p:grpSpPr>
+        <a:xfrm>
+          <a:off x="0" y="0"/>
+          <a:ext cx="0" cy="0"/>
+          <a:chOff x="0" y="0"/>
+          <a:chExt cx="0" cy="0"/>
+        </a:xfrm>
+      </p:grpSpPr>
+    </p:spTree>
+    <p:extLst>
+      <p:ext uri="{BB962C8B-B14F-4D97-AF65-F5344CB8AC3E}">
+        <p14:creationId xmlns:p14="http://schemas.microsoft.com/office/powerpoint/2010/main" val="4032986112"/>
+      </p:ext>
+    </p:extLst>
+  </p:cSld>
+  <p:clrMapOvr>
+    <a:masterClrMapping/>
+  </p:clrMapOvr>
+</p:sld>
+</file>
+
+<file path=ppt/slides/slide-31.xml><?xml version="1.0" encoding="utf-8"?>
+<p:sld xmlns:a="http://schemas.openxmlformats.org/drawingml/2006/main" xmlns:r="http://schemas.openxmlformats.org/officeDocument/2006/relationships" xmlns:p="http://schemas.openxmlformats.org/presentationml/2006/main">
+  <p:cSld>
+    <p:bg>
+      <p:bgPr>
+        <a:blipFill dpi="0" rotWithShape="1">
+          <a:blip r:embed="rId2">
+            <a:lum/>
+          </a:blip>
+          <a:srcRect/>
+          <a:stretch>
+            <a:fillRect/>
+          </a:stretch>
+        </a:blipFill>
+        <a:effectLst/>
+      </p:bgPr>
+    </p:bg>
+    <p:spTree>
+      <p:nvGrpSpPr>
+        <p:cNvPr id="1" name=""/>
+        <p:cNvGrpSpPr/>
+        <p:nvPr/>
+      </p:nvGrpSpPr>
+      <p:grpSpPr>
+        <a:xfrm>
+          <a:off x="0" y="0"/>
+          <a:ext cx="0" cy="0"/>
+          <a:chOff x="0" y="0"/>
+          <a:chExt cx="0" cy="0"/>
+        </a:xfrm>
+      </p:grpSpPr>
+    </p:spTree>
+    <p:extLst>
+      <p:ext uri="{BB962C8B-B14F-4D97-AF65-F5344CB8AC3E}">
+        <p14:creationId xmlns:p14="http://schemas.microsoft.com/office/powerpoint/2010/main" val="4032986112"/>
+      </p:ext>
+    </p:extLst>
+  </p:cSld>
+  <p:clrMapOvr>
+    <a:masterClrMapping/>
+  </p:clrMapOvr>
+</p:sld>
+</file>
+
+<file path=ppt/slides/slide-32.xml><?xml version="1.0" encoding="utf-8"?>
+<p:sld xmlns:a="http://schemas.openxmlformats.org/drawingml/2006/main" xmlns:r="http://schemas.openxmlformats.org/officeDocument/2006/relationships" xmlns:p="http://schemas.openxmlformats.org/presentationml/2006/main">
+  <p:cSld>
+    <p:bg>
+      <p:bgPr>
+        <a:blipFill dpi="0" rotWithShape="1">
+          <a:blip r:embed="rId2">
+            <a:lum/>
+          </a:blip>
+          <a:srcRect/>
+          <a:stretch>
+            <a:fillRect/>
+          </a:stretch>
+        </a:blipFill>
+        <a:effectLst/>
+      </p:bgPr>
+    </p:bg>
+    <p:spTree>
+      <p:nvGrpSpPr>
+        <p:cNvPr id="1" name=""/>
+        <p:cNvGrpSpPr/>
+        <p:nvPr/>
+      </p:nvGrpSpPr>
+      <p:grpSpPr>
+        <a:xfrm>
+          <a:off x="0" y="0"/>
+          <a:ext cx="0" cy="0"/>
+          <a:chOff x="0" y="0"/>
+          <a:chExt cx="0" cy="0"/>
+        </a:xfrm>
+      </p:grpSpPr>
+    </p:spTree>
+    <p:extLst>
+      <p:ext uri="{BB962C8B-B14F-4D97-AF65-F5344CB8AC3E}">
+        <p14:creationId xmlns:p14="http://schemas.microsoft.com/office/powerpoint/2010/main" val="4032986112"/>
+      </p:ext>
+    </p:extLst>
+  </p:cSld>
+  <p:clrMapOvr>
+    <a:masterClrMapping/>
+  </p:clrMapOvr>
+</p:sld>
+</file>
+
+<file path=ppt/slides/slide-33.xml><?xml version="1.0" encoding="utf-8"?>
+<p:sld xmlns:a="http://schemas.openxmlformats.org/drawingml/2006/main" xmlns:r="http://schemas.openxmlformats.org/officeDocument/2006/relationships" xmlns:p="http://schemas.openxmlformats.org/presentationml/2006/main">
+  <p:cSld>
+    <p:bg>
+      <p:bgPr>
+        <a:blipFill dpi="0" rotWithShape="1">
+          <a:blip r:embed="rId2">
+            <a:lum/>
+          </a:blip>
+          <a:srcRect/>
+          <a:stretch>
+            <a:fillRect/>
+          </a:stretch>
+        </a:blipFill>
+        <a:effectLst/>
+      </p:bgPr>
+    </p:bg>
+    <p:spTree>
+      <p:nvGrpSpPr>
+        <p:cNvPr id="1" name=""/>
+        <p:cNvGrpSpPr/>
+        <p:nvPr/>
+      </p:nvGrpSpPr>
+      <p:grpSpPr>
+        <a:xfrm>
+          <a:off x="0" y="0"/>
+          <a:ext cx="0" cy="0"/>
+          <a:chOff x="0" y="0"/>
+          <a:chExt cx="0" cy="0"/>
+        </a:xfrm>
+      </p:grpSpPr>
+    </p:spTree>
+    <p:extLst>
+      <p:ext uri="{BB962C8B-B14F-4D97-AF65-F5344CB8AC3E}">
+        <p14:creationId xmlns:p14="http://schemas.microsoft.com/office/powerpoint/2010/main" val="4032986112"/>
+      </p:ext>
+    </p:extLst>
+  </p:cSld>
+  <p:clrMapOvr>
+    <a:masterClrMapping/>
+  </p:clrMapOvr>
+</p:sld>
+</file>
+
+<file path=ppt/slides/slide-34.xml><?xml version="1.0" encoding="utf-8"?>
+<p:sld xmlns:a="http://schemas.openxmlformats.org/drawingml/2006/main" xmlns:r="http://schemas.openxmlformats.org/officeDocument/2006/relationships" xmlns:p="http://schemas.openxmlformats.org/presentationml/2006/main">
+  <p:cSld>
+    <p:bg>
+      <p:bgPr>
+        <a:blipFill dpi="0" rotWithShape="1">
+          <a:blip r:embed="rId2">
+            <a:lum/>
+          </a:blip>
+          <a:srcRect/>
+          <a:stretch>
+            <a:fillRect/>
+          </a:stretch>
+        </a:blipFill>
+        <a:effectLst/>
+      </p:bgPr>
+    </p:bg>
+    <p:spTree>
+      <p:nvGrpSpPr>
+        <p:cNvPr id="1" name=""/>
+        <p:cNvGrpSpPr/>
+        <p:nvPr/>
+      </p:nvGrpSpPr>
+      <p:grpSpPr>
+        <a:xfrm>
+          <a:off x="0" y="0"/>
+          <a:ext cx="0" cy="0"/>
+          <a:chOff x="0" y="0"/>
+          <a:chExt cx="0" cy="0"/>
+        </a:xfrm>
+      </p:grpSpPr>
+    </p:spTree>
+    <p:extLst>
+      <p:ext uri="{BB962C8B-B14F-4D97-AF65-F5344CB8AC3E}">
+        <p14:creationId xmlns:p14="http://schemas.microsoft.com/office/powerpoint/2010/main" val="4032986112"/>
+      </p:ext>
+    </p:extLst>
+  </p:cSld>
+  <p:clrMapOvr>
+    <a:masterClrMapping/>
+  </p:clrMapOvr>
+</p:sld>
+</file>
+
+<file path=ppt/slides/slide-35.xml><?xml version="1.0" encoding="utf-8"?>
+<p:sld xmlns:a="http://schemas.openxmlformats.org/drawingml/2006/main" xmlns:r="http://schemas.openxmlformats.org/officeDocument/2006/relationships" xmlns:p="http://schemas.openxmlformats.org/presentationml/2006/main">
+  <p:cSld>
+    <p:bg>
+      <p:bgPr>
+        <a:blipFill dpi="0" rotWithShape="1">
+          <a:blip r:embed="rId2">
+            <a:lum/>
+          </a:blip>
+          <a:srcRect/>
+          <a:stretch>
+            <a:fillRect/>
+          </a:stretch>
+        </a:blipFill>
+        <a:effectLst/>
+      </p:bgPr>
+    </p:bg>
+    <p:spTree>
+      <p:nvGrpSpPr>
+        <p:cNvPr id="1" name=""/>
+        <p:cNvGrpSpPr/>
+        <p:nvPr/>
+      </p:nvGrpSpPr>
+      <p:grpSpPr>
+        <a:xfrm>
+          <a:off x="0" y="0"/>
+          <a:ext cx="0" cy="0"/>
+          <a:chOff x="0" y="0"/>
+          <a:chExt cx="0" cy="0"/>
+        </a:xfrm>
+      </p:grpSpPr>
+    </p:spTree>
+    <p:extLst>
+      <p:ext uri="{BB962C8B-B14F-4D97-AF65-F5344CB8AC3E}">
+        <p14:creationId xmlns:p14="http://schemas.microsoft.com/office/powerpoint/2010/main" val="4032986112"/>
+      </p:ext>
+    </p:extLst>
+  </p:cSld>
+  <p:clrMapOvr>
+    <a:masterClrMapping/>
+  </p:clrMapOvr>
+</p:sld>
+</file>
+
+<file path=ppt/slides/slide-36.xml><?xml version="1.0" encoding="utf-8"?>
+<p:sld xmlns:a="http://schemas.openxmlformats.org/drawingml/2006/main" xmlns:r="http://schemas.openxmlformats.org/officeDocument/2006/relationships" xmlns:p="http://schemas.openxmlformats.org/presentationml/2006/main">
+  <p:cSld>
+    <p:bg>
+      <p:bgPr>
+        <a:blipFill dpi="0" rotWithShape="1">
+          <a:blip r:embed="rId2">
+            <a:lum/>
+          </a:blip>
+          <a:srcRect/>
+          <a:stretch>
+            <a:fillRect/>
+          </a:stretch>
+        </a:blipFill>
+        <a:effectLst/>
+      </p:bgPr>
+    </p:bg>
+    <p:spTree>
+      <p:nvGrpSpPr>
+        <p:cNvPr id="1" name=""/>
+        <p:cNvGrpSpPr/>
+        <p:nvPr/>
+      </p:nvGrpSpPr>
+      <p:grpSpPr>
+        <a:xfrm>
+          <a:off x="0" y="0"/>
+          <a:ext cx="0" cy="0"/>
+          <a:chOff x="0" y="0"/>
+          <a:chExt cx="0" cy="0"/>
+        </a:xfrm>
+      </p:grpSpPr>
+    </p:spTree>
+    <p:extLst>
+      <p:ext uri="{BB962C8B-B14F-4D97-AF65-F5344CB8AC3E}">
+        <p14:creationId xmlns:p14="http://schemas.microsoft.com/office/powerpoint/2010/main" val="4032986112"/>
+      </p:ext>
+    </p:extLst>
+  </p:cSld>
+  <p:clrMapOvr>
+    <a:masterClrMapping/>
+  </p:clrMapOvr>
+</p:sld>
+</file>
+
+<file path=ppt/slides/slide-37.xml><?xml version="1.0" encoding="utf-8"?>
+<p:sld xmlns:a="http://schemas.openxmlformats.org/drawingml/2006/main" xmlns:r="http://schemas.openxmlformats.org/officeDocument/2006/relationships" xmlns:p="http://schemas.openxmlformats.org/presentationml/2006/main">
+  <p:cSld>
+    <p:bg>
+      <p:bgPr>
+        <a:blipFill dpi="0" rotWithShape="1">
+          <a:blip r:embed="rId2">
+            <a:lum/>
+          </a:blip>
+          <a:srcRect/>
+          <a:stretch>
+            <a:fillRect/>
+          </a:stretch>
+        </a:blipFill>
+        <a:effectLst/>
+      </p:bgPr>
+    </p:bg>
+    <p:spTree>
+      <p:nvGrpSpPr>
+        <p:cNvPr id="1" name=""/>
+        <p:cNvGrpSpPr/>
+        <p:nvPr/>
+      </p:nvGrpSpPr>
+      <p:grpSpPr>
+        <a:xfrm>
+          <a:off x="0" y="0"/>
+          <a:ext cx="0" cy="0"/>
+          <a:chOff x="0" y="0"/>
+          <a:chExt cx="0" cy="0"/>
+        </a:xfrm>
+      </p:grpSpPr>
+    </p:spTree>
+    <p:extLst>
+      <p:ext uri="{BB962C8B-B14F-4D97-AF65-F5344CB8AC3E}">
+        <p14:creationId xmlns:p14="http://schemas.microsoft.com/office/powerpoint/2010/main" val="4032986112"/>
+      </p:ext>
+    </p:extLst>
+  </p:cSld>
+  <p:clrMapOvr>
+    <a:masterClrMapping/>
+  </p:clrMapOvr>
+</p:sld>
+</file>
+
+<file path=ppt/slides/slide-38.xml><?xml version="1.0" encoding="utf-8"?>
+<p:sld xmlns:a="http://schemas.openxmlformats.org/drawingml/2006/main" xmlns:r="http://schemas.openxmlformats.org/officeDocument/2006/relationships" xmlns:p="http://schemas.openxmlformats.org/presentationml/2006/main">
+  <p:cSld>
+    <p:bg>
+      <p:bgPr>
+        <a:blipFill dpi="0" rotWithShape="1">
+          <a:blip r:embed="rId2">
+            <a:lum/>
+          </a:blip>
+          <a:srcRect/>
+          <a:stretch>
+            <a:fillRect/>
+          </a:stretch>
+        </a:blipFill>
+        <a:effectLst/>
+      </p:bgPr>
+    </p:bg>
+    <p:spTree>
+      <p:nvGrpSpPr>
+        <p:cNvPr id="1" name=""/>
+        <p:cNvGrpSpPr/>
+        <p:nvPr/>
+      </p:nvGrpSpPr>
+      <p:grpSpPr>
+        <a:xfrm>
+          <a:off x="0" y="0"/>
+          <a:ext cx="0" cy="0"/>
+          <a:chOff x="0" y="0"/>
+          <a:chExt cx="0" cy="0"/>
+        </a:xfrm>
+      </p:grpSpPr>
+    </p:spTree>
+    <p:extLst>
+      <p:ext uri="{BB962C8B-B14F-4D97-AF65-F5344CB8AC3E}">
+        <p14:creationId xmlns:p14="http://schemas.microsoft.com/office/powerpoint/2010/main" val="4032986112"/>
+      </p:ext>
+    </p:extLst>
+  </p:cSld>
+  <p:clrMapOvr>
+    <a:masterClrMapping/>
+  </p:clrMapOvr>
+</p:sld>
+</file>
+
+<file path=ppt/slides/slide-39.xml><?xml version="1.0" encoding="utf-8"?>
+<p:sld xmlns:a="http://schemas.openxmlformats.org/drawingml/2006/main" xmlns:r="http://schemas.openxmlformats.org/officeDocument/2006/relationships" xmlns:p="http://schemas.openxmlformats.org/presentationml/2006/main">
+  <p:cSld>
+    <p:bg>
+      <p:bgPr>
+        <a:blipFill dpi="0" rotWithShape="1">
+          <a:blip r:embed="rId2">
+            <a:lum/>
+          </a:blip>
+          <a:srcRect/>
+          <a:stretch>
+            <a:fillRect/>
+          </a:stretch>
+        </a:blipFill>
+        <a:effectLst/>
+      </p:bgPr>
+    </p:bg>
+    <p:spTree>
+      <p:nvGrpSpPr>
+        <p:cNvPr id="1" name=""/>
+        <p:cNvGrpSpPr/>
+        <p:nvPr/>
+      </p:nvGrpSpPr>
+      <p:grpSpPr>
+        <a:xfrm>
+          <a:off x="0" y="0"/>
+          <a:ext cx="0" cy="0"/>
+          <a:chOff x="0" y="0"/>
+          <a:chExt cx="0" cy="0"/>
+        </a:xfrm>
+      </p:grpSpPr>
+    </p:spTree>
+    <p:extLst>
+      <p:ext uri="{BB962C8B-B14F-4D97-AF65-F5344CB8AC3E}">
+        <p14:creationId xmlns:p14="http://schemas.microsoft.com/office/powerpoint/2010/main" val="4032986112"/>
+      </p:ext>
+    </p:extLst>
+  </p:cSld>
+  <p:clrMapOvr>
+    <a:masterClrMapping/>
+  </p:clrMapOvr>
+</p:sld>
+</file>
+
+<file path=ppt/slides/slide-4.xml><?xml version="1.0" encoding="utf-8"?>
+<p:sld xmlns:a="http://schemas.openxmlformats.org/drawingml/2006/main" xmlns:r="http://schemas.openxmlformats.org/officeDocument/2006/relationships" xmlns:p="http://schemas.openxmlformats.org/presentationml/2006/main">
+  <p:cSld>
+    <p:bg>
+      <p:bgPr>
+        <a:blipFill dpi="0" rotWithShape="1">
+          <a:blip r:embed="rId2">
+            <a:lum/>
+          </a:blip>
+          <a:srcRect/>
+          <a:stretch>
+            <a:fillRect/>
+          </a:stretch>
+        </a:blipFill>
+        <a:effectLst/>
+      </p:bgPr>
+    </p:bg>
+    <p:spTree>
+      <p:nvGrpSpPr>
+        <p:cNvPr id="1" name=""/>
+        <p:cNvGrpSpPr/>
+        <p:nvPr/>
+      </p:nvGrpSpPr>
+      <p:grpSpPr>
+        <a:xfrm>
+          <a:off x="0" y="0"/>
+          <a:ext cx="0" cy="0"/>
+          <a:chOff x="0" y="0"/>
+          <a:chExt cx="0" cy="0"/>
+        </a:xfrm>
+      </p:grpSpPr>
+    </p:spTree>
+    <p:extLst>
+      <p:ext uri="{BB962C8B-B14F-4D97-AF65-F5344CB8AC3E}">
+        <p14:creationId xmlns:p14="http://schemas.microsoft.com/office/powerpoint/2010/main" val="4032986112"/>
+      </p:ext>
+    </p:extLst>
+  </p:cSld>
+  <p:clrMapOvr>
+    <a:masterClrMapping/>
+  </p:clrMapOvr>
+</p:sld>
+</file>
+
+<file path=ppt/slides/slide-40.xml><?xml version="1.0" encoding="utf-8"?>
+<p:sld xmlns:a="http://schemas.openxmlformats.org/drawingml/2006/main" xmlns:r="http://schemas.openxmlformats.org/officeDocument/2006/relationships" xmlns:p="http://schemas.openxmlformats.org/presentationml/2006/main">
+  <p:cSld>
+    <p:bg>
+      <p:bgPr>
+        <a:blipFill dpi="0" rotWithShape="1">
+          <a:blip r:embed="rId2">
+            <a:lum/>
+          </a:blip>
+          <a:srcRect/>
+          <a:stretch>
+            <a:fillRect/>
+          </a:stretch>
+        </a:blipFill>
+        <a:effectLst/>
+      </p:bgPr>
+    </p:bg>
+    <p:spTree>
+      <p:nvGrpSpPr>
+        <p:cNvPr id="1" name=""/>
+        <p:cNvGrpSpPr/>
+        <p:nvPr/>
+      </p:nvGrpSpPr>
+      <p:grpSpPr>
+        <a:xfrm>
+          <a:off x="0" y="0"/>
+          <a:ext cx="0" cy="0"/>
+          <a:chOff x="0" y="0"/>
+          <a:chExt cx="0" cy="0"/>
+        </a:xfrm>
+      </p:grpSpPr>
+    </p:spTree>
+    <p:extLst>
+      <p:ext uri="{BB962C8B-B14F-4D97-AF65-F5344CB8AC3E}">
+        <p14:creationId xmlns:p14="http://schemas.microsoft.com/office/powerpoint/2010/main" val="4032986112"/>
+      </p:ext>
+    </p:extLst>
+  </p:cSld>
+  <p:clrMapOvr>
+    <a:masterClrMapping/>
+  </p:clrMapOvr>
+</p:sld>
+</file>
+
+<file path=ppt/slides/slide-41.xml><?xml version="1.0" encoding="utf-8"?>
+<p:sld xmlns:a="http://schemas.openxmlformats.org/drawingml/2006/main" xmlns:r="http://schemas.openxmlformats.org/officeDocument/2006/relationships" xmlns:p="http://schemas.openxmlformats.org/presentationml/2006/main">
+  <p:cSld>
+    <p:bg>
+      <p:bgPr>
+        <a:blipFill dpi="0" rotWithShape="1">
+          <a:blip r:embed="rId2">
+            <a:lum/>
+          </a:blip>
+          <a:srcRect/>
+          <a:stretch>
+            <a:fillRect/>
+          </a:stretch>
+        </a:blipFill>
+        <a:effectLst/>
+      </p:bgPr>
+    </p:bg>
+    <p:spTree>
+      <p:nvGrpSpPr>
+        <p:cNvPr id="1" name=""/>
+        <p:cNvGrpSpPr/>
+        <p:nvPr/>
+      </p:nvGrpSpPr>
+      <p:grpSpPr>
+        <a:xfrm>
+          <a:off x="0" y="0"/>
+          <a:ext cx="0" cy="0"/>
+          <a:chOff x="0" y="0"/>
+          <a:chExt cx="0" cy="0"/>
+        </a:xfrm>
+      </p:grpSpPr>
+    </p:spTree>
+    <p:extLst>
+      <p:ext uri="{BB962C8B-B14F-4D97-AF65-F5344CB8AC3E}">
+        <p14:creationId xmlns:p14="http://schemas.microsoft.com/office/powerpoint/2010/main" val="4032986112"/>
+      </p:ext>
+    </p:extLst>
+  </p:cSld>
+  <p:clrMapOvr>
+    <a:masterClrMapping/>
+  </p:clrMapOvr>
+</p:sld>
+</file>
+
+<file path=ppt/slides/slide-42.xml><?xml version="1.0" encoding="utf-8"?>
+<p:sld xmlns:a="http://schemas.openxmlformats.org/drawingml/2006/main" xmlns:r="http://schemas.openxmlformats.org/officeDocument/2006/relationships" xmlns:p="http://schemas.openxmlformats.org/presentationml/2006/main">
+  <p:cSld>
+    <p:bg>
+      <p:bgPr>
+        <a:blipFill dpi="0" rotWithShape="1">
+          <a:blip r:embed="rId2">
+            <a:lum/>
+          </a:blip>
+          <a:srcRect/>
+          <a:stretch>
+            <a:fillRect/>
+          </a:stretch>
+        </a:blipFill>
+        <a:effectLst/>
+      </p:bgPr>
+    </p:bg>
+    <p:spTree>
+      <p:nvGrpSpPr>
+        <p:cNvPr id="1" name=""/>
+        <p:cNvGrpSpPr/>
+        <p:nvPr/>
+      </p:nvGrpSpPr>
+      <p:grpSpPr>
+        <a:xfrm>
+          <a:off x="0" y="0"/>
+          <a:ext cx="0" cy="0"/>
+          <a:chOff x="0" y="0"/>
+          <a:chExt cx="0" cy="0"/>
+        </a:xfrm>
+      </p:grpSpPr>
+    </p:spTree>
+    <p:extLst>
+      <p:ext uri="{BB962C8B-B14F-4D97-AF65-F5344CB8AC3E}">
+        <p14:creationId xmlns:p14="http://schemas.microsoft.com/office/powerpoint/2010/main" val="4032986112"/>
+      </p:ext>
+    </p:extLst>
+  </p:cSld>
+  <p:clrMapOvr>
+    <a:masterClrMapping/>
+  </p:clrMapOvr>
+</p:sld>
+</file>
+
+<file path=ppt/slides/slide-43.xml><?xml version="1.0" encoding="utf-8"?>
+<p:sld xmlns:a="http://schemas.openxmlformats.org/drawingml/2006/main" xmlns:r="http://schemas.openxmlformats.org/officeDocument/2006/relationships" xmlns:p="http://schemas.openxmlformats.org/presentationml/2006/main">
+  <p:cSld>
+    <p:bg>
+      <p:bgPr>
+        <a:blipFill dpi="0" rotWithShape="1">
+          <a:blip r:embed="rId2">
+            <a:lum/>
+          </a:blip>
+          <a:srcRect/>
+          <a:stretch>
+            <a:fillRect/>
+          </a:stretch>
+        </a:blipFill>
+        <a:effectLst/>
+      </p:bgPr>
+    </p:bg>
+    <p:spTree>
+      <p:nvGrpSpPr>
+        <p:cNvPr id="1" name=""/>
+        <p:cNvGrpSpPr/>
+        <p:nvPr/>
+      </p:nvGrpSpPr>
+      <p:grpSpPr>
+        <a:xfrm>
+          <a:off x="0" y="0"/>
+          <a:ext cx="0" cy="0"/>
+          <a:chOff x="0" y="0"/>
+          <a:chExt cx="0" cy="0"/>
+        </a:xfrm>
+      </p:grpSpPr>
+    </p:spTree>
+    <p:extLst>
+      <p:ext uri="{BB962C8B-B14F-4D97-AF65-F5344CB8AC3E}">
+        <p14:creationId xmlns:p14="http://schemas.microsoft.com/office/powerpoint/2010/main" val="4032986112"/>
+      </p:ext>
+    </p:extLst>
+  </p:cSld>
+  <p:clrMapOvr>
+    <a:masterClrMapping/>
+  </p:clrMapOvr>
+</p:sld>
+</file>
+
+<file path=ppt/slides/slide-44.xml><?xml version="1.0" encoding="utf-8"?>
+<p:sld xmlns:a="http://schemas.openxmlformats.org/drawingml/2006/main" xmlns:r="http://schemas.openxmlformats.org/officeDocument/2006/relationships" xmlns:p="http://schemas.openxmlformats.org/presentationml/2006/main">
+  <p:cSld>
+    <p:bg>
+      <p:bgPr>
+        <a:blipFill dpi="0" rotWithShape="1">
+          <a:blip r:embed="rId2">
+            <a:lum/>
+          </a:blip>
+          <a:srcRect/>
+          <a:stretch>
+            <a:fillRect/>
+          </a:stretch>
+        </a:blipFill>
+        <a:effectLst/>
+      </p:bgPr>
+    </p:bg>
+    <p:spTree>
+      <p:nvGrpSpPr>
+        <p:cNvPr id="1" name=""/>
+        <p:cNvGrpSpPr/>
+        <p:nvPr/>
+      </p:nvGrpSpPr>
+      <p:grpSpPr>
+        <a:xfrm>
+          <a:off x="0" y="0"/>
+          <a:ext cx="0" cy="0"/>
+          <a:chOff x="0" y="0"/>
+          <a:chExt cx="0" cy="0"/>
+        </a:xfrm>
+      </p:grpSpPr>
+    </p:spTree>
+    <p:extLst>
+      <p:ext uri="{BB962C8B-B14F-4D97-AF65-F5344CB8AC3E}">
+        <p14:creationId xmlns:p14="http://schemas.microsoft.com/office/powerpoint/2010/main" val="4032986112"/>
+      </p:ext>
+    </p:extLst>
+  </p:cSld>
+  <p:clrMapOvr>
+    <a:masterClrMapping/>
+  </p:clrMapOvr>
+</p:sld>
+</file>
+
+<file path=ppt/slides/slide-45.xml><?xml version="1.0" encoding="utf-8"?>
+<p:sld xmlns:a="http://schemas.openxmlformats.org/drawingml/2006/main" xmlns:r="http://schemas.openxmlformats.org/officeDocument/2006/relationships" xmlns:p="http://schemas.openxmlformats.org/presentationml/2006/main">
+  <p:cSld>
+    <p:bg>
+      <p:bgPr>
+        <a:blipFill dpi="0" rotWithShape="1">
+          <a:blip r:embed="rId2">
+            <a:lum/>
+          </a:blip>
+          <a:srcRect/>
+          <a:stretch>
+            <a:fillRect/>
+          </a:stretch>
+        </a:blipFill>
+        <a:effectLst/>
+      </p:bgPr>
+    </p:bg>
+    <p:spTree>
+      <p:nvGrpSpPr>
+        <p:cNvPr id="1" name=""/>
+        <p:cNvGrpSpPr/>
+        <p:nvPr/>
+      </p:nvGrpSpPr>
+      <p:grpSpPr>
+        <a:xfrm>
+          <a:off x="0" y="0"/>
+          <a:ext cx="0" cy="0"/>
+          <a:chOff x="0" y="0"/>
+          <a:chExt cx="0" cy="0"/>
+        </a:xfrm>
+      </p:grpSpPr>
+    </p:spTree>
+    <p:extLst>
+      <p:ext uri="{BB962C8B-B14F-4D97-AF65-F5344CB8AC3E}">
+        <p14:creationId xmlns:p14="http://schemas.microsoft.com/office/powerpoint/2010/main" val="4032986112"/>
+      </p:ext>
+    </p:extLst>
+  </p:cSld>
+  <p:clrMapOvr>
+    <a:masterClrMapping/>
+  </p:clrMapOvr>
+</p:sld>
+</file>
+
+<file path=ppt/slides/slide-46.xml><?xml version="1.0" encoding="utf-8"?>
+<p:sld xmlns:a="http://schemas.openxmlformats.org/drawingml/2006/main" xmlns:r="http://schemas.openxmlformats.org/officeDocument/2006/relationships" xmlns:p="http://schemas.openxmlformats.org/presentationml/2006/main">
+  <p:cSld>
+    <p:bg>
+      <p:bgPr>
+        <a:blipFill dpi="0" rotWithShape="1">
+          <a:blip r:embed="rId2">
+            <a:lum/>
+          </a:blip>
+          <a:srcRect/>
+          <a:stretch>
+            <a:fillRect/>
+          </a:stretch>
+        </a:blipFill>
+        <a:effectLst/>
+      </p:bgPr>
+    </p:bg>
+    <p:spTree>
+      <p:nvGrpSpPr>
+        <p:cNvPr id="1" name=""/>
+        <p:cNvGrpSpPr/>
+        <p:nvPr/>
+      </p:nvGrpSpPr>
+      <p:grpSpPr>
+        <a:xfrm>
+          <a:off x="0" y="0"/>
+          <a:ext cx="0" cy="0"/>
+          <a:chOff x="0" y="0"/>
+          <a:chExt cx="0" cy="0"/>
+        </a:xfrm>
+      </p:grpSpPr>
+    </p:spTree>
+    <p:extLst>
+      <p:ext uri="{BB962C8B-B14F-4D97-AF65-F5344CB8AC3E}">
+        <p14:creationId xmlns:p14="http://schemas.microsoft.com/office/powerpoint/2010/main" val="4032986112"/>
+      </p:ext>
+    </p:extLst>
+  </p:cSld>
+  <p:clrMapOvr>
+    <a:masterClrMapping/>
+  </p:clrMapOvr>
+</p:sld>
+</file>
+
+<file path=ppt/slides/slide-47.xml><?xml version="1.0" encoding="utf-8"?>
+<p:sld xmlns:a="http://schemas.openxmlformats.org/drawingml/2006/main" xmlns:r="http://schemas.openxmlformats.org/officeDocument/2006/relationships" xmlns:p="http://schemas.openxmlformats.org/presentationml/2006/main">
+  <p:cSld>
+    <p:bg>
+      <p:bgPr>
+        <a:blipFill dpi="0" rotWithShape="1">
+          <a:blip r:embed="rId2">
+            <a:lum/>
+          </a:blip>
+          <a:srcRect/>
+          <a:stretch>
+            <a:fillRect/>
+          </a:stretch>
+        </a:blipFill>
+        <a:effectLst/>
+      </p:bgPr>
+    </p:bg>
+    <p:spTree>
+      <p:nvGrpSpPr>
+        <p:cNvPr id="1" name=""/>
+        <p:cNvGrpSpPr/>
+        <p:nvPr/>
+      </p:nvGrpSpPr>
+      <p:grpSpPr>
+        <a:xfrm>
+          <a:off x="0" y="0"/>
+          <a:ext cx="0" cy="0"/>
+          <a:chOff x="0" y="0"/>
+          <a:chExt cx="0" cy="0"/>
+        </a:xfrm>
+      </p:grpSpPr>
+    </p:spTree>
+    <p:extLst>
+      <p:ext uri="{BB962C8B-B14F-4D97-AF65-F5344CB8AC3E}">
+        <p14:creationId xmlns:p14="http://schemas.microsoft.com/office/powerpoint/2010/main" val="4032986112"/>
+      </p:ext>
+    </p:extLst>
+  </p:cSld>
+  <p:clrMapOvr>
+    <a:masterClrMapping/>
+  </p:clrMapOvr>
+</p:sld>
+</file>
+
+<file path=ppt/slides/slide-48.xml><?xml version="1.0" encoding="utf-8"?>
+<p:sld xmlns:a="http://schemas.openxmlformats.org/drawingml/2006/main" xmlns:r="http://schemas.openxmlformats.org/officeDocument/2006/relationships" xmlns:p="http://schemas.openxmlformats.org/presentationml/2006/main">
+  <p:cSld>
+    <p:bg>
+      <p:bgPr>
+        <a:blipFill dpi="0" rotWithShape="1">
+          <a:blip r:embed="rId2">
+            <a:lum/>
+          </a:blip>
+          <a:srcRect/>
+          <a:stretch>
+            <a:fillRect/>
+          </a:stretch>
+        </a:blipFill>
+        <a:effectLst/>
+      </p:bgPr>
+    </p:bg>
+    <p:spTree>
+      <p:nvGrpSpPr>
+        <p:cNvPr id="1" name=""/>
+        <p:cNvGrpSpPr/>
+        <p:nvPr/>
+      </p:nvGrpSpPr>
+      <p:grpSpPr>
+        <a:xfrm>
+          <a:off x="0" y="0"/>
+          <a:ext cx="0" cy="0"/>
+          <a:chOff x="0" y="0"/>
+          <a:chExt cx="0" cy="0"/>
+        </a:xfrm>
+      </p:grpSpPr>
+    </p:spTree>
+    <p:extLst>
+      <p:ext uri="{BB962C8B-B14F-4D97-AF65-F5344CB8AC3E}">
+        <p14:creationId xmlns:p14="http://schemas.microsoft.com/office/powerpoint/2010/main" val="4032986112"/>
+      </p:ext>
+    </p:extLst>
+  </p:cSld>
+  <p:clrMapOvr>
+    <a:masterClrMapping/>
+  </p:clrMapOvr>
+</p:sld>
+</file>
+
+<file path=ppt/slides/slide-49.xml><?xml version="1.0" encoding="utf-8"?>
+<p:sld xmlns:a="http://schemas.openxmlformats.org/drawingml/2006/main" xmlns:r="http://schemas.openxmlformats.org/officeDocument/2006/relationships" xmlns:p="http://schemas.openxmlformats.org/presentationml/2006/main">
+  <p:cSld>
+    <p:bg>
+      <p:bgPr>
+        <a:blipFill dpi="0" rotWithShape="1">
+          <a:blip r:embed="rId2">
+            <a:lum/>
+          </a:blip>
+          <a:srcRect/>
+          <a:stretch>
+            <a:fillRect/>
+          </a:stretch>
+        </a:blipFill>
+        <a:effectLst/>
+      </p:bgPr>
+    </p:bg>
+    <p:spTree>
+      <p:nvGrpSpPr>
+        <p:cNvPr id="1" name=""/>
+        <p:cNvGrpSpPr/>
+        <p:nvPr/>
+      </p:nvGrpSpPr>
+      <p:grpSpPr>
+        <a:xfrm>
+          <a:off x="0" y="0"/>
+          <a:ext cx="0" cy="0"/>
+          <a:chOff x="0" y="0"/>
+          <a:chExt cx="0" cy="0"/>
+        </a:xfrm>
+      </p:grpSpPr>
+    </p:spTree>
+    <p:extLst>
+      <p:ext uri="{BB962C8B-B14F-4D97-AF65-F5344CB8AC3E}">
+        <p14:creationId xmlns:p14="http://schemas.microsoft.com/office/powerpoint/2010/main" val="4032986112"/>
+      </p:ext>
+    </p:extLst>
+  </p:cSld>
+  <p:clrMapOvr>
+    <a:masterClrMapping/>
+  </p:clrMapOvr>
+</p:sld>
+</file>
+
+<file path=ppt/slides/slide-5.xml><?xml version="1.0" encoding="utf-8"?>
+<p:sld xmlns:a="http://schemas.openxmlformats.org/drawingml/2006/main" xmlns:r="http://schemas.openxmlformats.org/officeDocument/2006/relationships" xmlns:p="http://schemas.openxmlformats.org/presentationml/2006/main">
+  <p:cSld>
+    <p:bg>
+      <p:bgPr>
+        <a:blipFill dpi="0" rotWithShape="1">
+          <a:blip r:embed="rId2">
+            <a:lum/>
+          </a:blip>
+          <a:srcRect/>
+          <a:stretch>
+            <a:fillRect/>
+          </a:stretch>
+        </a:blipFill>
+        <a:effectLst/>
+      </p:bgPr>
+    </p:bg>
+    <p:spTree>
+      <p:nvGrpSpPr>
+        <p:cNvPr id="1" name=""/>
+        <p:cNvGrpSpPr/>
+        <p:nvPr/>
+      </p:nvGrpSpPr>
+      <p:grpSpPr>
+        <a:xfrm>
+          <a:off x="0" y="0"/>
+          <a:ext cx="0" cy="0"/>
+          <a:chOff x="0" y="0"/>
+          <a:chExt cx="0" cy="0"/>
+        </a:xfrm>
+      </p:grpSpPr>
+    </p:spTree>
+    <p:extLst>
+      <p:ext uri="{BB962C8B-B14F-4D97-AF65-F5344CB8AC3E}">
+        <p14:creationId xmlns:p14="http://schemas.microsoft.com/office/powerpoint/2010/main" val="4032986112"/>
+      </p:ext>
+    </p:extLst>
+  </p:cSld>
+  <p:clrMapOvr>
+    <a:masterClrMapping/>
+  </p:clrMapOvr>
+</p:sld>
+</file>
+
+<file path=ppt/slides/slide-50.xml><?xml version="1.0" encoding="utf-8"?>
+<p:sld xmlns:a="http://schemas.openxmlformats.org/drawingml/2006/main" xmlns:r="http://schemas.openxmlformats.org/officeDocument/2006/relationships" xmlns:p="http://schemas.openxmlformats.org/presentationml/2006/main">
+  <p:cSld>
+    <p:bg>
+      <p:bgPr>
+        <a:blipFill dpi="0" rotWithShape="1">
+          <a:blip r:embed="rId2">
+            <a:lum/>
+          </a:blip>
+          <a:srcRect/>
+          <a:stretch>
+            <a:fillRect/>
+          </a:stretch>
+        </a:blipFill>
+        <a:effectLst/>
+      </p:bgPr>
+    </p:bg>
+    <p:spTree>
+      <p:nvGrpSpPr>
+        <p:cNvPr id="1" name=""/>
+        <p:cNvGrpSpPr/>
+        <p:nvPr/>
+      </p:nvGrpSpPr>
+      <p:grpSpPr>
+        <a:xfrm>
+          <a:off x="0" y="0"/>
+          <a:ext cx="0" cy="0"/>
+          <a:chOff x="0" y="0"/>
+          <a:chExt cx="0" cy="0"/>
+        </a:xfrm>
+      </p:grpSpPr>
+    </p:spTree>
+    <p:extLst>
+      <p:ext uri="{BB962C8B-B14F-4D97-AF65-F5344CB8AC3E}">
+        <p14:creationId xmlns:p14="http://schemas.microsoft.com/office/powerpoint/2010/main" val="4032986112"/>
+      </p:ext>
+    </p:extLst>
+  </p:cSld>
+  <p:clrMapOvr>
+    <a:masterClrMapping/>
+  </p:clrMapOvr>
+</p:sld>
+</file>
+
+<file path=ppt/slides/slide-51.xml><?xml version="1.0" encoding="utf-8"?>
+<p:sld xmlns:a="http://schemas.openxmlformats.org/drawingml/2006/main" xmlns:r="http://schemas.openxmlformats.org/officeDocument/2006/relationships" xmlns:p="http://schemas.openxmlformats.org/presentationml/2006/main">
+  <p:cSld>
+    <p:bg>
+      <p:bgPr>
+        <a:blipFill dpi="0" rotWithShape="1">
+          <a:blip r:embed="rId2">
+            <a:lum/>
+          </a:blip>
+          <a:srcRect/>
+          <a:stretch>
+            <a:fillRect/>
+          </a:stretch>
+        </a:blipFill>
+        <a:effectLst/>
+      </p:bgPr>
+    </p:bg>
+    <p:spTree>
+      <p:nvGrpSpPr>
+        <p:cNvPr id="1" name=""/>
+        <p:cNvGrpSpPr/>
+        <p:nvPr/>
+      </p:nvGrpSpPr>
+      <p:grpSpPr>
+        <a:xfrm>
+          <a:off x="0" y="0"/>
+          <a:ext cx="0" cy="0"/>
+          <a:chOff x="0" y="0"/>
+          <a:chExt cx="0" cy="0"/>
+        </a:xfrm>
+      </p:grpSpPr>
+    </p:spTree>
+    <p:extLst>
+      <p:ext uri="{BB962C8B-B14F-4D97-AF65-F5344CB8AC3E}">
+        <p14:creationId xmlns:p14="http://schemas.microsoft.com/office/powerpoint/2010/main" val="4032986112"/>
+      </p:ext>
+    </p:extLst>
+  </p:cSld>
+  <p:clrMapOvr>
+    <a:masterClrMapping/>
+  </p:clrMapOvr>
+</p:sld>
+</file>
+
+<file path=ppt/slides/slide-52.xml><?xml version="1.0" encoding="utf-8"?>
+<p:sld xmlns:a="http://schemas.openxmlformats.org/drawingml/2006/main" xmlns:r="http://schemas.openxmlformats.org/officeDocument/2006/relationships" xmlns:p="http://schemas.openxmlformats.org/presentationml/2006/main">
+  <p:cSld>
+    <p:bg>
+      <p:bgPr>
+        <a:blipFill dpi="0" rotWithShape="1">
+          <a:blip r:embed="rId2">
+            <a:lum/>
+          </a:blip>
+          <a:srcRect/>
+          <a:stretch>
+            <a:fillRect/>
+          </a:stretch>
+        </a:blipFill>
+        <a:effectLst/>
+      </p:bgPr>
+    </p:bg>
+    <p:spTree>
+      <p:nvGrpSpPr>
+        <p:cNvPr id="1" name=""/>
+        <p:cNvGrpSpPr/>
+        <p:nvPr/>
+      </p:nvGrpSpPr>
+      <p:grpSpPr>
+        <a:xfrm>
+          <a:off x="0" y="0"/>
+          <a:ext cx="0" cy="0"/>
+          <a:chOff x="0" y="0"/>
+          <a:chExt cx="0" cy="0"/>
+        </a:xfrm>
+      </p:grpSpPr>
+    </p:spTree>
+    <p:extLst>
+      <p:ext uri="{BB962C8B-B14F-4D97-AF65-F5344CB8AC3E}">
+        <p14:creationId xmlns:p14="http://schemas.microsoft.com/office/powerpoint/2010/main" val="4032986112"/>
+      </p:ext>
+    </p:extLst>
+  </p:cSld>
+  <p:clrMapOvr>
+    <a:masterClrMapping/>
+  </p:clrMapOvr>
+</p:sld>
+</file>
+
+<file path=ppt/slides/slide-6.xml><?xml version="1.0" encoding="utf-8"?>
+<p:sld xmlns:a="http://schemas.openxmlformats.org/drawingml/2006/main" xmlns:r="http://schemas.openxmlformats.org/officeDocument/2006/relationships" xmlns:p="http://schemas.openxmlformats.org/presentationml/2006/main">
+  <p:cSld>
+    <p:bg>
+      <p:bgPr>
+        <a:blipFill dpi="0" rotWithShape="1">
+          <a:blip r:embed="rId2">
+            <a:lum/>
+          </a:blip>
+          <a:srcRect/>
+          <a:stretch>
+            <a:fillRect/>
+          </a:stretch>
+        </a:blipFill>
+        <a:effectLst/>
+      </p:bgPr>
+    </p:bg>
+    <p:spTree>
+      <p:nvGrpSpPr>
+        <p:cNvPr id="1" name=""/>
+        <p:cNvGrpSpPr/>
+        <p:nvPr/>
+      </p:nvGrpSpPr>
+      <p:grpSpPr>
+        <a:xfrm>
+          <a:off x="0" y="0"/>
+          <a:ext cx="0" cy="0"/>
+          <a:chOff x="0" y="0"/>
+          <a:chExt cx="0" cy="0"/>
+        </a:xfrm>
+      </p:grpSpPr>
+    </p:spTree>
+    <p:extLst>
+      <p:ext uri="{BB962C8B-B14F-4D97-AF65-F5344CB8AC3E}">
+        <p14:creationId xmlns:p14="http://schemas.microsoft.com/office/powerpoint/2010/main" val="4032986112"/>
+      </p:ext>
+    </p:extLst>
+  </p:cSld>
+  <p:clrMapOvr>
+    <a:masterClrMapping/>
+  </p:clrMapOvr>
+</p:sld>
+</file>
+
+<file path=ppt/slides/slide-7.xml><?xml version="1.0" encoding="utf-8"?>
+<p:sld xmlns:a="http://schemas.openxmlformats.org/drawingml/2006/main" xmlns:r="http://schemas.openxmlformats.org/officeDocument/2006/relationships" xmlns:p="http://schemas.openxmlformats.org/presentationml/2006/main">
+  <p:cSld>
+    <p:bg>
+      <p:bgPr>
+        <a:blipFill dpi="0" rotWithShape="1">
+          <a:blip r:embed="rId2">
+            <a:lum/>
+          </a:blip>
+          <a:srcRect/>
+          <a:stretch>
+            <a:fillRect/>
+          </a:stretch>
+        </a:blipFill>
+        <a:effectLst/>
+      </p:bgPr>
+    </p:bg>
+    <p:spTree>
+      <p:nvGrpSpPr>
+        <p:cNvPr id="1" name=""/>
+        <p:cNvGrpSpPr/>
+        <p:nvPr/>
+      </p:nvGrpSpPr>
+      <p:grpSpPr>
+        <a:xfrm>
+          <a:off x="0" y="0"/>
+          <a:ext cx="0" cy="0"/>
+          <a:chOff x="0" y="0"/>
+          <a:chExt cx="0" cy="0"/>
+        </a:xfrm>
+      </p:grpSpPr>
+    </p:spTree>
+    <p:extLst>
+      <p:ext uri="{BB962C8B-B14F-4D97-AF65-F5344CB8AC3E}">
+        <p14:creationId xmlns:p14="http://schemas.microsoft.com/office/powerpoint/2010/main" val="4032986112"/>
+      </p:ext>
+    </p:extLst>
+  </p:cSld>
+  <p:clrMapOvr>
+    <a:masterClrMapping/>
+  </p:clrMapOvr>
+</p:sld>
+</file>
+
+<file path=ppt/slides/slide-8.xml><?xml version="1.0" encoding="utf-8"?>
+<p:sld xmlns:a="http://schemas.openxmlformats.org/drawingml/2006/main" xmlns:r="http://schemas.openxmlformats.org/officeDocument/2006/relationships" xmlns:p="http://schemas.openxmlformats.org/presentationml/2006/main">
+  <p:cSld>
+    <p:bg>
+      <p:bgPr>
+        <a:blipFill dpi="0" rotWithShape="1">
+          <a:blip r:embed="rId2">
+            <a:lum/>
+          </a:blip>
+          <a:srcRect/>
+          <a:stretch>
+            <a:fillRect/>
+          </a:stretch>
+        </a:blipFill>
+        <a:effectLst/>
+      </p:bgPr>
+    </p:bg>
+    <p:spTree>
+      <p:nvGrpSpPr>
+        <p:cNvPr id="1" name=""/>
+        <p:cNvGrpSpPr/>
+        <p:nvPr/>
+      </p:nvGrpSpPr>
+      <p:grpSpPr>
+        <a:xfrm>
+          <a:off x="0" y="0"/>
+          <a:ext cx="0" cy="0"/>
+          <a:chOff x="0" y="0"/>
+          <a:chExt cx="0" cy="0"/>
+        </a:xfrm>
+      </p:grpSpPr>
+    </p:spTree>
+    <p:extLst>
+      <p:ext uri="{BB962C8B-B14F-4D97-AF65-F5344CB8AC3E}">
+        <p14:creationId xmlns:p14="http://schemas.microsoft.com/office/powerpoint/2010/main" val="4032986112"/>
+      </p:ext>
+    </p:extLst>
+  </p:cSld>
+  <p:clrMapOvr>
+    <a:masterClrMapping/>
+  </p:clrMapOvr>
+</p:sld>
+</file>
+
+<file path=ppt/slides/slide-9.xml><?xml version="1.0" encoding="utf-8"?>
+<p:sld xmlns:a="http://schemas.openxmlformats.org/drawingml/2006/main" xmlns:r="http://schemas.openxmlformats.org/officeDocument/2006/relationships" xmlns:p="http://schemas.openxmlformats.org/presentationml/2006/main">
+  <p:cSld>
+    <p:bg>
+      <p:bgPr>
+        <a:blipFill dpi="0" rotWithShape="1">
+          <a:blip r:embed="rId2">
+            <a:lum/>
+          </a:blip>
+          <a:srcRect/>
+          <a:stretch>
+            <a:fillRect/>
+          </a:stretch>
+        </a:blipFill>
+        <a:effectLst/>
+      </p:bgPr>
+    </p:bg>
+    <p:spTree>
+      <p:nvGrpSpPr>
+        <p:cNvPr id="1" name=""/>
+        <p:cNvGrpSpPr/>
+        <p:nvPr/>
+      </p:nvGrpSpPr>
+      <p:grpSpPr>
+        <a:xfrm>
+          <a:off x="0" y="0"/>
+          <a:ext cx="0" cy="0"/>
+          <a:chOff x="0" y="0"/>
+          <a:chExt cx="0" cy="0"/>
+        </a:xfrm>
+      </p:grpSpPr>
+    </p:spTree>
+    <p:extLst>
+      <p:ext uri="{BB962C8B-B14F-4D97-AF65-F5344CB8AC3E}">
+        <p14:creationId xmlns:p14="http://schemas.microsoft.com/office/powerpoint/2010/main" val="4032986112"/>
+      </p:ext>
+    </p:extLst>
+  </p:cSld>
+  <p:clrMapOvr>
+    <a:masterClrMapping/>
+  </p:clrMapOvr>
+</p:sld>
+</file>
+
+<file path=ppt/slides/slide1.xml><?xml version="1.0" encoding="utf-8"?>
+<p:sld xmlns:a="http://schemas.openxmlformats.org/drawingml/2006/main" xmlns:r="http://schemas.openxmlformats.org/officeDocument/2006/relationships" xmlns:p="http://schemas.openxmlformats.org/presentationml/2006/main">
+  <p:cSld>
+    <p:bg>
+      <p:bgPr>
+        <a:blipFill dpi="0" rotWithShape="1">
+          <a:blip r:embed="rId2">
+            <a:lum/>
+          </a:blip>
+          <a:srcRect/>
+          <a:stretch>
+            <a:fillRect/>
+          </a:stretch>
+        </a:blipFill>
+        <a:effectLst/>
+      </p:bgPr>
+    </p:bg>
+    <p:spTree>
+      <p:nvGrpSpPr>
+        <p:cNvPr id="1" name=""/>
+        <p:cNvGrpSpPr/>
+        <p:nvPr/>
+      </p:nvGrpSpPr>
+      <p:grpSpPr>
+        <a:xfrm>
+          <a:off x="0" y="0"/>
+          <a:ext cx="0" cy="0"/>
+          <a:chOff x="0" y="0"/>
+          <a:chExt cx="0" cy="0"/>
+        </a:xfrm>
+      </p:grpSpPr>
+    </p:spTree>
+    <p:extLst>
+      <p:ext uri="{BB962C8B-B14F-4D97-AF65-F5344CB8AC3E}">
+        <p14:creationId xmlns:p14="http://schemas.microsoft.com/office/powerpoint/2010/main" val="4032986112"/>
+      </p:ext>
+    </p:extLst>
+  </p:cSld>
+  <p:clrMapOvr>
+    <a:masterClrMapping/>
+  </p:clrMapOvr>
+</p:sld>
+</file>
+
 <file path=ppt/theme/theme1.xml><?xml version="1.0" encoding="utf-8"?>
 <a:theme xmlns:a="http://schemas.openxmlformats.org/drawingml/2006/main" name="Office Theme">
   <a:themeElements>
